--- a/Documentation/Presentation/Final.pptx
+++ b/Documentation/Presentation/Final.pptx
@@ -16,14 +16,12 @@
     <p:sldId id="266" r:id="rId10"/>
     <p:sldId id="278" r:id="rId11"/>
     <p:sldId id="275" r:id="rId12"/>
-    <p:sldId id="270" r:id="rId13"/>
-    <p:sldId id="271" r:id="rId14"/>
-    <p:sldId id="276" r:id="rId15"/>
-    <p:sldId id="277" r:id="rId16"/>
-    <p:sldId id="279" r:id="rId17"/>
-    <p:sldId id="280" r:id="rId18"/>
-    <p:sldId id="281" r:id="rId19"/>
-    <p:sldId id="258" r:id="rId20"/>
+    <p:sldId id="271" r:id="rId13"/>
+    <p:sldId id="279" r:id="rId14"/>
+    <p:sldId id="280" r:id="rId15"/>
+    <p:sldId id="281" r:id="rId16"/>
+    <p:sldId id="283" r:id="rId17"/>
+    <p:sldId id="258" r:id="rId18"/>
   </p:sldIdLst>
   <p:sldSz cx="12192000" cy="6858000"/>
   <p:notesSz cx="6858000" cy="9144000"/>
@@ -309,7 +307,7 @@
           <a:p>
             <a:fld id="{7AE47DB2-E3AC-4E80-ADB0-D519FC5F97DB}" type="datetimeFigureOut">
               <a:rPr lang="en-US" smtClean="0"/>
-              <a:t>6/8/18</a:t>
+              <a:t>12-Jun-18</a:t>
             </a:fld>
             <a:endParaRPr lang="en-US"/>
           </a:p>
@@ -612,7 +610,7 @@
           <a:p>
             <a:fld id="{7AE47DB2-E3AC-4E80-ADB0-D519FC5F97DB}" type="datetimeFigureOut">
               <a:rPr lang="en-US" smtClean="0"/>
-              <a:t>6/8/18</a:t>
+              <a:t>12-Jun-18</a:t>
             </a:fld>
             <a:endParaRPr lang="en-US"/>
           </a:p>
@@ -806,7 +804,7 @@
           <a:p>
             <a:fld id="{7AE47DB2-E3AC-4E80-ADB0-D519FC5F97DB}" type="datetimeFigureOut">
               <a:rPr lang="en-US" smtClean="0"/>
-              <a:t>6/8/18</a:t>
+              <a:t>12-Jun-18</a:t>
             </a:fld>
             <a:endParaRPr lang="en-US"/>
           </a:p>
@@ -990,7 +988,7 @@
           <a:p>
             <a:fld id="{7AE47DB2-E3AC-4E80-ADB0-D519FC5F97DB}" type="datetimeFigureOut">
               <a:rPr lang="en-US" smtClean="0"/>
-              <a:t>6/8/18</a:t>
+              <a:t>12-Jun-18</a:t>
             </a:fld>
             <a:endParaRPr lang="en-US"/>
           </a:p>
@@ -1251,7 +1249,7 @@
           <a:p>
             <a:fld id="{7AE47DB2-E3AC-4E80-ADB0-D519FC5F97DB}" type="datetimeFigureOut">
               <a:rPr lang="en-US" smtClean="0"/>
-              <a:t>6/8/18</a:t>
+              <a:t>12-Jun-18</a:t>
             </a:fld>
             <a:endParaRPr lang="en-US"/>
           </a:p>
@@ -1496,7 +1494,7 @@
           <a:p>
             <a:fld id="{7AE47DB2-E3AC-4E80-ADB0-D519FC5F97DB}" type="datetimeFigureOut">
               <a:rPr lang="en-US" smtClean="0"/>
-              <a:t>6/8/18</a:t>
+              <a:t>12-Jun-18</a:t>
             </a:fld>
             <a:endParaRPr lang="en-US"/>
           </a:p>
@@ -1876,7 +1874,7 @@
           <a:p>
             <a:fld id="{7AE47DB2-E3AC-4E80-ADB0-D519FC5F97DB}" type="datetimeFigureOut">
               <a:rPr lang="en-US" smtClean="0"/>
-              <a:t>6/8/18</a:t>
+              <a:t>12-Jun-18</a:t>
             </a:fld>
             <a:endParaRPr lang="en-US"/>
           </a:p>
@@ -2009,7 +2007,7 @@
           <a:p>
             <a:fld id="{7AE47DB2-E3AC-4E80-ADB0-D519FC5F97DB}" type="datetimeFigureOut">
               <a:rPr lang="en-US" smtClean="0"/>
-              <a:t>6/8/18</a:t>
+              <a:t>12-Jun-18</a:t>
             </a:fld>
             <a:endParaRPr lang="en-US"/>
           </a:p>
@@ -2120,7 +2118,7 @@
           <a:p>
             <a:fld id="{7AE47DB2-E3AC-4E80-ADB0-D519FC5F97DB}" type="datetimeFigureOut">
               <a:rPr lang="en-US" smtClean="0"/>
-              <a:t>6/8/18</a:t>
+              <a:t>12-Jun-18</a:t>
             </a:fld>
             <a:endParaRPr lang="en-US"/>
           </a:p>
@@ -2411,7 +2409,7 @@
           <a:p>
             <a:fld id="{7AE47DB2-E3AC-4E80-ADB0-D519FC5F97DB}" type="datetimeFigureOut">
               <a:rPr lang="en-US" smtClean="0"/>
-              <a:t>6/8/18</a:t>
+              <a:t>12-Jun-18</a:t>
             </a:fld>
             <a:endParaRPr lang="en-US"/>
           </a:p>
@@ -2682,7 +2680,7 @@
           <a:p>
             <a:fld id="{7AE47DB2-E3AC-4E80-ADB0-D519FC5F97DB}" type="datetimeFigureOut">
               <a:rPr lang="en-US" smtClean="0"/>
-              <a:t>6/8/18</a:t>
+              <a:t>12-Jun-18</a:t>
             </a:fld>
             <a:endParaRPr lang="en-US"/>
           </a:p>
@@ -3109,7 +3107,7 @@
           <a:p>
             <a:fld id="{7AE47DB2-E3AC-4E80-ADB0-D519FC5F97DB}" type="datetimeFigureOut">
               <a:rPr lang="en-US" smtClean="0"/>
-              <a:t>6/8/18</a:t>
+              <a:t>12-Jun-18</a:t>
             </a:fld>
             <a:endParaRPr lang="en-US"/>
           </a:p>
@@ -3482,6 +3480,10 @@
               </a:rPr>
               <a:t>Access points self-configuration in</a:t>
             </a:r>
+            <a:r>
+              <a:rPr lang="en-US" dirty="0"/>
+              <a:t/>
+            </a:r>
             <a:br>
               <a:rPr lang="en-US" dirty="0"/>
             </a:br>
@@ -3519,7 +3521,7 @@
         </p:spPr>
         <p:txBody>
           <a:bodyPr>
-            <a:normAutofit fontScale="70000" lnSpcReduction="20000"/>
+            <a:normAutofit fontScale="77500" lnSpcReduction="20000"/>
           </a:bodyPr>
           <a:lstStyle/>
           <a:p>
@@ -3595,9 +3597,10 @@
           <a:lstStyle/>
           <a:p>
             <a:r>
-              <a:rPr lang="en-US" sz="4000" dirty="0"/>
-              <a:t>Main loop</a:t>
-            </a:r>
+              <a:rPr lang="en-US" sz="4000" dirty="0" smtClean="0"/>
+              <a:t>Event management</a:t>
+            </a:r>
+            <a:endParaRPr lang="en-US" sz="4000" dirty="0"/>
           </a:p>
         </p:txBody>
       </p:sp>
@@ -3617,15 +3620,62 @@
             <p:ph idx="1"/>
           </p:nvPr>
         </p:nvSpPr>
-        <p:spPr/>
+        <p:spPr>
+          <a:xfrm>
+            <a:off x="838200" y="1188720"/>
+            <a:ext cx="10515600" cy="4988243"/>
+          </a:xfrm>
+        </p:spPr>
         <p:txBody>
           <a:bodyPr/>
           <a:lstStyle/>
           <a:p>
-            <a:endParaRPr lang="en-US"/>
-          </a:p>
-        </p:txBody>
-      </p:sp>
+            <a:r>
+              <a:rPr lang="en-US" dirty="0" smtClean="0"/>
+              <a:t>Events (such as packet transmissions) are saved into a queue.</a:t>
+            </a:r>
+          </a:p>
+          <a:p>
+            <a:r>
+              <a:rPr lang="en-US" dirty="0" smtClean="0"/>
+              <a:t>Each agent gets in input the current state queue and writes in the next state queue. </a:t>
+            </a:r>
+          </a:p>
+          <a:p>
+            <a:r>
+              <a:rPr lang="en-US" dirty="0" smtClean="0"/>
+              <a:t>At the end of each iteration, the oldest queue is discarded and the next state queue becomes the current one (analogous to double buffering in computer graphics).</a:t>
+            </a:r>
+          </a:p>
+          <a:p>
+            <a:endParaRPr lang="en-US" dirty="0"/>
+          </a:p>
+        </p:txBody>
+      </p:sp>
+      <p:pic>
+        <p:nvPicPr>
+          <p:cNvPr id="4" name="Picture 3"/>
+          <p:cNvPicPr>
+            <a:picLocks noChangeAspect="1"/>
+          </p:cNvPicPr>
+          <p:nvPr/>
+        </p:nvPicPr>
+        <p:blipFill>
+          <a:blip r:embed="rId2"/>
+          <a:stretch>
+            <a:fillRect/>
+          </a:stretch>
+        </p:blipFill>
+        <p:spPr>
+          <a:xfrm>
+            <a:off x="1538514" y="3949757"/>
+            <a:ext cx="9115480" cy="1899500"/>
+          </a:xfrm>
+          <a:prstGeom prst="rect">
+            <a:avLst/>
+          </a:prstGeom>
+        </p:spPr>
+      </p:pic>
     </p:spTree>
     <p:extLst>
       <p:ext uri="{BB962C8B-B14F-4D97-AF65-F5344CB8AC3E}">
@@ -3674,7 +3724,7 @@
         </p:nvSpPr>
         <p:spPr>
           <a:xfrm>
-            <a:off x="838200" y="365126"/>
+            <a:off x="838200" y="263526"/>
             <a:ext cx="10515600" cy="719396"/>
           </a:xfrm>
         </p:spPr>
@@ -3683,8 +3733,8 @@
           <a:lstStyle/>
           <a:p>
             <a:r>
-              <a:rPr lang="en-GB" dirty="0"/>
-              <a:t>Software Architecture – Reactive </a:t>
+              <a:rPr lang="en-GB" dirty="0" smtClean="0"/>
+              <a:t>Agent architectures</a:t>
             </a:r>
             <a:endParaRPr lang="en-US" dirty="0"/>
           </a:p>
@@ -3713,12 +3763,68 @@
           </a:xfrm>
         </p:spPr>
         <p:txBody>
-          <a:bodyPr/>
+          <a:bodyPr>
+            <a:normAutofit lnSpcReduction="10000"/>
+          </a:bodyPr>
           <a:lstStyle/>
           <a:p>
             <a:pPr marL="0" indent="0">
               <a:buNone/>
             </a:pPr>
+            <a:r>
+              <a:rPr lang="en-US" dirty="0" smtClean="0"/>
+              <a:t>Each agent has two behavioral components:</a:t>
+            </a:r>
+          </a:p>
+          <a:p>
+            <a:pPr>
+              <a:buFontTx/>
+              <a:buChar char="-"/>
+            </a:pPr>
+            <a:r>
+              <a:rPr lang="en-US" dirty="0" smtClean="0"/>
+              <a:t>Reactive</a:t>
+            </a:r>
+          </a:p>
+          <a:p>
+            <a:pPr>
+              <a:buFontTx/>
+              <a:buChar char="-"/>
+            </a:pPr>
+            <a:r>
+              <a:rPr lang="en-US" dirty="0" smtClean="0"/>
+              <a:t>BDI</a:t>
+            </a:r>
+          </a:p>
+          <a:p>
+            <a:pPr marL="0" indent="0">
+              <a:buNone/>
+            </a:pPr>
+            <a:endParaRPr lang="en-US" dirty="0" smtClean="0"/>
+          </a:p>
+          <a:p>
+            <a:pPr marL="0" indent="0">
+              <a:buNone/>
+            </a:pPr>
+            <a:r>
+              <a:rPr lang="en-US" dirty="0" smtClean="0"/>
+              <a:t>The reactive component is meant to take care of simple task that do not require “much intelligence” (e.g. reply to ping messages). It performs a preliminary “input filtering” passing to the BDI part only the necessary information.</a:t>
+            </a:r>
+          </a:p>
+          <a:p>
+            <a:pPr marL="0" indent="0">
+              <a:buNone/>
+            </a:pPr>
+            <a:endParaRPr lang="en-US" dirty="0"/>
+          </a:p>
+          <a:p>
+            <a:pPr marL="0" indent="0">
+              <a:buNone/>
+            </a:pPr>
+            <a:r>
+              <a:rPr lang="en-US" dirty="0" smtClean="0"/>
+              <a:t>The BDI part is meant to perform the more complicated tasks like managing connection requests, decide when to turn on or off the AP and STA states and how to select the access point to which the node wants to connect.</a:t>
+            </a:r>
             <a:endParaRPr lang="en-US" dirty="0"/>
           </a:p>
         </p:txBody>
@@ -3755,7 +3861,13 @@
       </p:grpSpPr>
       <p:sp>
         <p:nvSpPr>
-          <p:cNvPr id="2" name="Titolo 1"/>
+          <p:cNvPr id="2" name="Title 1">
+            <a:extLst>
+              <a:ext uri="{FF2B5EF4-FFF2-40B4-BE49-F238E27FC236}">
+                <a16:creationId xmlns:a16="http://schemas.microsoft.com/office/drawing/2014/main" id="{DB4EFF30-B846-394F-B496-6145BFAD9EF0}"/>
+              </a:ext>
+            </a:extLst>
+          </p:cNvPr>
           <p:cNvSpPr>
             <a:spLocks noGrp="1"/>
           </p:cNvSpPr>
@@ -3765,8 +3877,8 @@
         </p:nvSpPr>
         <p:spPr>
           <a:xfrm>
-            <a:off x="838200" y="365126"/>
-            <a:ext cx="10515600" cy="623920"/>
+            <a:off x="838200" y="365125"/>
+            <a:ext cx="10515600" cy="656367"/>
           </a:xfrm>
         </p:spPr>
         <p:txBody>
@@ -3776,569 +3888,152 @@
           <a:lstStyle/>
           <a:p>
             <a:r>
-              <a:rPr lang="en-GB" dirty="0"/>
-              <a:t>Software Architecture - BDI</a:t>
-            </a:r>
-            <a:endParaRPr lang="it-IT" dirty="0"/>
-          </a:p>
-        </p:txBody>
-      </p:sp>
-      <p:sp>
-        <p:nvSpPr>
-          <p:cNvPr id="4" name="Rettangolo arrotondato 3"/>
-          <p:cNvSpPr/>
+              <a:rPr lang="en-US" dirty="0"/>
+              <a:t>World Map and Visibility</a:t>
+            </a:r>
+          </a:p>
+        </p:txBody>
+      </p:sp>
+      <p:sp>
+        <p:nvSpPr>
+          <p:cNvPr id="3" name="Content Placeholder 2">
+            <a:extLst>
+              <a:ext uri="{FF2B5EF4-FFF2-40B4-BE49-F238E27FC236}">
+                <a16:creationId xmlns:a16="http://schemas.microsoft.com/office/drawing/2014/main" id="{A96E1D02-DB2F-FA45-AC85-6617E0D456D6}"/>
+              </a:ext>
+            </a:extLst>
+          </p:cNvPr>
+          <p:cNvSpPr>
+            <a:spLocks noGrp="1"/>
+          </p:cNvSpPr>
+          <p:nvPr>
+            <p:ph idx="1"/>
+          </p:nvPr>
+        </p:nvSpPr>
+        <p:spPr>
+          <a:xfrm>
+            <a:off x="838200" y="1120346"/>
+            <a:ext cx="10515600" cy="5056617"/>
+          </a:xfrm>
+        </p:spPr>
+        <p:txBody>
+          <a:bodyPr/>
+          <a:lstStyle/>
+          <a:p>
+            <a:r>
+              <a:rPr lang="en-US" dirty="0"/>
+              <a:t>The world </a:t>
+            </a:r>
+            <a:r>
+              <a:rPr lang="en-US" dirty="0" smtClean="0"/>
+              <a:t>is modeled </a:t>
+            </a:r>
+            <a:r>
+              <a:rPr lang="en-US" dirty="0"/>
+              <a:t>as a 2D grid</a:t>
+            </a:r>
+          </a:p>
+          <a:p>
+            <a:r>
+              <a:rPr lang="en-US" dirty="0"/>
+              <a:t>Each cell can </a:t>
+            </a:r>
+            <a:r>
+              <a:rPr lang="en-US" dirty="0"/>
+              <a:t>be </a:t>
+            </a:r>
+            <a:r>
+              <a:rPr lang="en-US" dirty="0" smtClean="0"/>
+              <a:t>empty or </a:t>
+            </a:r>
+            <a:r>
+              <a:rPr lang="en-US" dirty="0" smtClean="0"/>
+              <a:t>contain </a:t>
+            </a:r>
+            <a:r>
+              <a:rPr lang="en-US" dirty="0"/>
+              <a:t>a node or an </a:t>
+            </a:r>
+            <a:r>
+              <a:rPr lang="en-US" dirty="0" smtClean="0"/>
+              <a:t>obstacle</a:t>
+            </a:r>
+          </a:p>
+          <a:p>
+            <a:r>
+              <a:rPr lang="en-US" dirty="0" smtClean="0"/>
+              <a:t>Visibility </a:t>
+            </a:r>
+            <a:r>
+              <a:rPr lang="en-US" dirty="0"/>
+              <a:t>is computed using breadth-first search on each node: </a:t>
+            </a:r>
+            <a:r>
+              <a:rPr lang="en-US" dirty="0" smtClean="0"/>
+              <a:t>the visibility </a:t>
+            </a:r>
+            <a:r>
+              <a:rPr lang="en-US" dirty="0"/>
+              <a:t>threshold is the maximum amount of steps </a:t>
+            </a:r>
+            <a:r>
+              <a:rPr lang="en-US" dirty="0" smtClean="0"/>
+              <a:t>allowed to </a:t>
+            </a:r>
+            <a:r>
+              <a:rPr lang="en-US" dirty="0"/>
+              <a:t>reach another node on the grid.</a:t>
+            </a:r>
+          </a:p>
+        </p:txBody>
+      </p:sp>
+      <p:pic>
+        <p:nvPicPr>
+          <p:cNvPr id="5" name="Picture 4"/>
+          <p:cNvPicPr>
+            <a:picLocks noChangeAspect="1"/>
+          </p:cNvPicPr>
           <p:nvPr/>
-        </p:nvSpPr>
-        <p:spPr>
-          <a:xfrm>
-            <a:off x="1458632" y="2202025"/>
-            <a:ext cx="1688841" cy="494523"/>
-          </a:xfrm>
-          <a:prstGeom prst="roundRect">
-            <a:avLst/>
-          </a:prstGeom>
-        </p:spPr>
-        <p:style>
-          <a:lnRef idx="2">
-            <a:schemeClr val="accent1">
-              <a:shade val="50000"/>
-            </a:schemeClr>
-          </a:lnRef>
-          <a:fillRef idx="1">
-            <a:schemeClr val="accent1"/>
-          </a:fillRef>
-          <a:effectRef idx="0">
-            <a:schemeClr val="accent1"/>
-          </a:effectRef>
-          <a:fontRef idx="minor">
-            <a:schemeClr val="lt1"/>
-          </a:fontRef>
-        </p:style>
-        <p:txBody>
-          <a:bodyPr rtlCol="0" anchor="ctr"/>
-          <a:lstStyle/>
-          <a:p>
-            <a:pPr algn="ctr"/>
-            <a:r>
-              <a:rPr lang="en-GB" dirty="0"/>
-              <a:t>sense()</a:t>
-            </a:r>
-            <a:endParaRPr lang="it-IT" dirty="0"/>
-          </a:p>
-        </p:txBody>
-      </p:sp>
-      <p:sp>
-        <p:nvSpPr>
-          <p:cNvPr id="5" name="Rettangolo arrotondato 4"/>
-          <p:cNvSpPr/>
-          <p:nvPr/>
-        </p:nvSpPr>
-        <p:spPr>
-          <a:xfrm>
-            <a:off x="1457481" y="4330764"/>
-            <a:ext cx="1688841" cy="494523"/>
-          </a:xfrm>
-          <a:prstGeom prst="roundRect">
-            <a:avLst/>
-          </a:prstGeom>
-        </p:spPr>
-        <p:style>
-          <a:lnRef idx="2">
-            <a:schemeClr val="accent1">
-              <a:shade val="50000"/>
-            </a:schemeClr>
-          </a:lnRef>
-          <a:fillRef idx="1">
-            <a:schemeClr val="accent1"/>
-          </a:fillRef>
-          <a:effectRef idx="0">
-            <a:schemeClr val="accent1"/>
-          </a:effectRef>
-          <a:fontRef idx="minor">
-            <a:schemeClr val="lt1"/>
-          </a:fontRef>
-        </p:style>
-        <p:txBody>
-          <a:bodyPr rtlCol="0" anchor="ctr"/>
-          <a:lstStyle/>
-          <a:p>
-            <a:pPr algn="ctr"/>
-            <a:r>
-              <a:rPr lang="en-GB" dirty="0" err="1"/>
-              <a:t>select_plan</a:t>
-            </a:r>
-            <a:r>
-              <a:rPr lang="en-GB" dirty="0"/>
-              <a:t>()</a:t>
-            </a:r>
-            <a:endParaRPr lang="it-IT" dirty="0"/>
-          </a:p>
-        </p:txBody>
-      </p:sp>
-      <p:cxnSp>
-        <p:nvCxnSpPr>
-          <p:cNvPr id="7" name="Connettore 2 6"/>
-          <p:cNvCxnSpPr>
-            <a:stCxn id="4" idx="2"/>
-          </p:cNvCxnSpPr>
-          <p:nvPr/>
-        </p:nvCxnSpPr>
-        <p:spPr>
-          <a:xfrm flipH="1">
-            <a:off x="2303052" y="2696548"/>
-            <a:ext cx="1" cy="272143"/>
-          </a:xfrm>
-          <a:prstGeom prst="straightConnector1">
-            <a:avLst/>
-          </a:prstGeom>
-          <a:ln>
-            <a:tailEnd type="triangle"/>
-          </a:ln>
-        </p:spPr>
-        <p:style>
-          <a:lnRef idx="1">
-            <a:schemeClr val="accent1"/>
-          </a:lnRef>
-          <a:fillRef idx="0">
-            <a:schemeClr val="accent1"/>
-          </a:fillRef>
-          <a:effectRef idx="0">
-            <a:schemeClr val="accent1"/>
-          </a:effectRef>
-          <a:fontRef idx="minor">
-            <a:schemeClr val="tx1"/>
-          </a:fontRef>
-        </p:style>
-      </p:cxnSp>
-      <p:sp>
-        <p:nvSpPr>
-          <p:cNvPr id="8" name="Rettangolo arrotondato 7"/>
-          <p:cNvSpPr/>
-          <p:nvPr/>
-        </p:nvSpPr>
-        <p:spPr>
-          <a:xfrm>
-            <a:off x="1466812" y="5268492"/>
-            <a:ext cx="1688841" cy="513184"/>
-          </a:xfrm>
-          <a:prstGeom prst="roundRect">
-            <a:avLst/>
-          </a:prstGeom>
-        </p:spPr>
-        <p:style>
-          <a:lnRef idx="2">
-            <a:schemeClr val="accent1">
-              <a:shade val="50000"/>
-            </a:schemeClr>
-          </a:lnRef>
-          <a:fillRef idx="1">
-            <a:schemeClr val="accent1"/>
-          </a:fillRef>
-          <a:effectRef idx="0">
-            <a:schemeClr val="accent1"/>
-          </a:effectRef>
-          <a:fontRef idx="minor">
-            <a:schemeClr val="lt1"/>
-          </a:fontRef>
-        </p:style>
-        <p:txBody>
-          <a:bodyPr rtlCol="0" anchor="ctr"/>
-          <a:lstStyle/>
-          <a:p>
-            <a:pPr algn="ctr"/>
-            <a:r>
-              <a:rPr lang="en-GB" dirty="0"/>
-              <a:t>execute()</a:t>
-            </a:r>
-            <a:endParaRPr lang="it-IT" dirty="0"/>
-          </a:p>
-        </p:txBody>
-      </p:sp>
-      <p:cxnSp>
-        <p:nvCxnSpPr>
-          <p:cNvPr id="10" name="Connettore 2 9"/>
-          <p:cNvCxnSpPr>
-            <a:stCxn id="5" idx="2"/>
-            <a:endCxn id="8" idx="0"/>
-          </p:cNvCxnSpPr>
-          <p:nvPr/>
-        </p:nvCxnSpPr>
-        <p:spPr>
-          <a:xfrm>
-            <a:off x="2301902" y="4825287"/>
-            <a:ext cx="9331" cy="443205"/>
-          </a:xfrm>
-          <a:prstGeom prst="straightConnector1">
-            <a:avLst/>
-          </a:prstGeom>
-          <a:ln>
-            <a:tailEnd type="triangle"/>
-          </a:ln>
-        </p:spPr>
-        <p:style>
-          <a:lnRef idx="1">
-            <a:schemeClr val="accent1"/>
-          </a:lnRef>
-          <a:fillRef idx="0">
-            <a:schemeClr val="accent1"/>
-          </a:fillRef>
-          <a:effectRef idx="0">
-            <a:schemeClr val="accent1"/>
-          </a:effectRef>
-          <a:fontRef idx="minor">
-            <a:schemeClr val="tx1"/>
-          </a:fontRef>
-        </p:style>
-      </p:cxnSp>
-      <p:cxnSp>
-        <p:nvCxnSpPr>
-          <p:cNvPr id="13" name="Connettore 2 12"/>
-          <p:cNvCxnSpPr>
-            <a:stCxn id="41" idx="2"/>
-            <a:endCxn id="5" idx="0"/>
-          </p:cNvCxnSpPr>
-          <p:nvPr/>
-        </p:nvCxnSpPr>
-        <p:spPr>
-          <a:xfrm flipH="1">
-            <a:off x="2301902" y="3824965"/>
-            <a:ext cx="9330" cy="505799"/>
-          </a:xfrm>
-          <a:prstGeom prst="straightConnector1">
-            <a:avLst/>
-          </a:prstGeom>
-          <a:ln>
-            <a:tailEnd type="triangle"/>
-          </a:ln>
-        </p:spPr>
-        <p:style>
-          <a:lnRef idx="1">
-            <a:schemeClr val="accent1"/>
-          </a:lnRef>
-          <a:fillRef idx="0">
-            <a:schemeClr val="accent1"/>
-          </a:fillRef>
-          <a:effectRef idx="0">
-            <a:schemeClr val="accent1"/>
-          </a:effectRef>
-          <a:fontRef idx="minor">
-            <a:schemeClr val="tx1"/>
-          </a:fontRef>
-        </p:style>
-      </p:cxnSp>
-      <p:cxnSp>
-        <p:nvCxnSpPr>
-          <p:cNvPr id="19" name="Connettore 4 18"/>
-          <p:cNvCxnSpPr>
-            <a:stCxn id="41" idx="1"/>
-            <a:endCxn id="4" idx="0"/>
-          </p:cNvCxnSpPr>
-          <p:nvPr/>
-        </p:nvCxnSpPr>
-        <p:spPr>
-          <a:xfrm rot="10800000" flipH="1">
-            <a:off x="1031409" y="2202026"/>
-            <a:ext cx="1271643" cy="1189067"/>
-          </a:xfrm>
-          <a:prstGeom prst="bentConnector4">
-            <a:avLst>
-              <a:gd name="adj1" fmla="val -17977"/>
-              <a:gd name="adj2" fmla="val 119225"/>
-            </a:avLst>
-          </a:prstGeom>
-          <a:ln>
-            <a:tailEnd type="triangle"/>
-          </a:ln>
-        </p:spPr>
-        <p:style>
-          <a:lnRef idx="1">
-            <a:schemeClr val="accent1"/>
-          </a:lnRef>
-          <a:fillRef idx="0">
-            <a:schemeClr val="accent1"/>
-          </a:fillRef>
-          <a:effectRef idx="0">
-            <a:schemeClr val="accent1"/>
-          </a:effectRef>
-          <a:fontRef idx="minor">
-            <a:schemeClr val="tx1"/>
-          </a:fontRef>
-        </p:style>
-      </p:cxnSp>
-      <p:sp>
-        <p:nvSpPr>
-          <p:cNvPr id="29" name="CasellaDiTesto 28"/>
-          <p:cNvSpPr txBox="1"/>
-          <p:nvPr/>
-        </p:nvSpPr>
-        <p:spPr>
-          <a:xfrm>
-            <a:off x="2301901" y="3817580"/>
-            <a:ext cx="606256" cy="369332"/>
+        </p:nvPicPr>
+        <p:blipFill>
+          <a:blip r:embed="rId2">
+            <a:extLst>
+              <a:ext uri="{28A0092B-C50C-407E-A947-70E740481C1C}">
+                <a14:useLocalDpi xmlns:a14="http://schemas.microsoft.com/office/drawing/2010/main" val="0"/>
+              </a:ext>
+            </a:extLst>
+          </a:blip>
+          <a:stretch>
+            <a:fillRect/>
+          </a:stretch>
+        </p:blipFill>
+        <p:spPr>
+          <a:xfrm>
+            <a:off x="6096000" y="3322159"/>
+            <a:ext cx="3114811" cy="2721429"/>
           </a:xfrm>
           <a:prstGeom prst="rect">
             <a:avLst/>
           </a:prstGeom>
-          <a:noFill/>
-        </p:spPr>
-        <p:txBody>
-          <a:bodyPr wrap="none" rtlCol="0">
-            <a:spAutoFit/>
-          </a:bodyPr>
-          <a:lstStyle/>
-          <a:p>
-            <a:r>
-              <a:rPr lang="en-GB" dirty="0"/>
-              <a:t>NOK</a:t>
-            </a:r>
-            <a:endParaRPr lang="it-IT" dirty="0"/>
-          </a:p>
-        </p:txBody>
-      </p:sp>
-      <p:sp>
-        <p:nvSpPr>
-          <p:cNvPr id="30" name="CasellaDiTesto 29"/>
-          <p:cNvSpPr txBox="1"/>
-          <p:nvPr/>
-        </p:nvSpPr>
-        <p:spPr>
-          <a:xfrm>
-            <a:off x="780931" y="3018070"/>
-            <a:ext cx="457176" cy="369332"/>
-          </a:xfrm>
-          <a:prstGeom prst="rect">
-            <a:avLst/>
-          </a:prstGeom>
-          <a:noFill/>
-        </p:spPr>
-        <p:txBody>
-          <a:bodyPr wrap="none" rtlCol="0">
-            <a:spAutoFit/>
-          </a:bodyPr>
-          <a:lstStyle/>
-          <a:p>
-            <a:r>
-              <a:rPr lang="en-GB" dirty="0"/>
-              <a:t>OK</a:t>
-            </a:r>
-            <a:endParaRPr lang="it-IT" dirty="0"/>
-          </a:p>
-        </p:txBody>
-      </p:sp>
-      <p:sp>
-        <p:nvSpPr>
-          <p:cNvPr id="31" name="CasellaDiTesto 30"/>
-          <p:cNvSpPr txBox="1"/>
-          <p:nvPr/>
-        </p:nvSpPr>
-        <p:spPr>
-          <a:xfrm>
-            <a:off x="5113176" y="1343817"/>
-            <a:ext cx="6746031" cy="3693319"/>
-          </a:xfrm>
-          <a:prstGeom prst="rect">
-            <a:avLst/>
-          </a:prstGeom>
-          <a:noFill/>
-        </p:spPr>
-        <p:txBody>
-          <a:bodyPr wrap="square" rtlCol="0">
-            <a:spAutoFit/>
-          </a:bodyPr>
-          <a:lstStyle/>
-          <a:p>
-            <a:pPr marL="285750" indent="-285750">
-              <a:buFont typeface="Arial" panose="020B0604020202020204" pitchFamily="34" charset="0"/>
-              <a:buChar char="•"/>
-            </a:pPr>
-            <a:r>
-              <a:rPr lang="en-GB" dirty="0"/>
-              <a:t>Sense() is used to update the state vector:</a:t>
-            </a:r>
-          </a:p>
-          <a:p>
-            <a:pPr marL="742950" lvl="1" indent="-285750">
-              <a:buFont typeface="Wingdings" panose="05000000000000000000" pitchFamily="2" charset="2"/>
-              <a:buChar char="Ø"/>
-            </a:pPr>
-            <a:r>
-              <a:rPr lang="en-GB" dirty="0"/>
-              <a:t>External: visible nodes, connected/disconnected, </a:t>
-            </a:r>
-            <a:r>
-              <a:rPr lang="en-GB" dirty="0" err="1"/>
-              <a:t>etc</a:t>
-            </a:r>
-            <a:r>
-              <a:rPr lang="en-GB" dirty="0"/>
-              <a:t>… </a:t>
-            </a:r>
-          </a:p>
-          <a:p>
-            <a:pPr marL="742950" lvl="1" indent="-285750">
-              <a:buFont typeface="Wingdings" panose="05000000000000000000" pitchFamily="2" charset="2"/>
-              <a:buChar char="Ø"/>
-            </a:pPr>
-            <a:r>
-              <a:rPr lang="en-GB" dirty="0"/>
-              <a:t>Internal: Battery level, </a:t>
-            </a:r>
-            <a:r>
-              <a:rPr lang="en-GB" dirty="0" err="1"/>
-              <a:t>etc</a:t>
-            </a:r>
-            <a:r>
-              <a:rPr lang="en-GB" dirty="0"/>
-              <a:t>…</a:t>
-            </a:r>
-          </a:p>
-          <a:p>
-            <a:pPr lvl="1"/>
-            <a:endParaRPr lang="en-GB" dirty="0"/>
-          </a:p>
-          <a:p>
-            <a:pPr marL="285750" indent="-285750">
-              <a:buFont typeface="Arial" panose="020B0604020202020204" pitchFamily="34" charset="0"/>
-              <a:buChar char="•"/>
-            </a:pPr>
-            <a:r>
-              <a:rPr lang="en-GB" dirty="0"/>
-              <a:t>deliberate() is used to verify that actual state is the desired one (it basically compares desires to beliefs and generate intentions = deliberative phase)</a:t>
-            </a:r>
-          </a:p>
-          <a:p>
-            <a:pPr marL="285750" indent="-285750">
-              <a:buFont typeface="Arial" panose="020B0604020202020204" pitchFamily="34" charset="0"/>
-              <a:buChar char="•"/>
-            </a:pPr>
-            <a:endParaRPr lang="en-GB" dirty="0"/>
-          </a:p>
-          <a:p>
-            <a:pPr marL="285750" indent="-285750">
-              <a:buFont typeface="Arial" panose="020B0604020202020204" pitchFamily="34" charset="0"/>
-              <a:buChar char="•"/>
-            </a:pPr>
-            <a:r>
-              <a:rPr lang="en-GB" dirty="0" err="1"/>
-              <a:t>selectPlan</a:t>
-            </a:r>
-            <a:r>
-              <a:rPr lang="en-GB" dirty="0"/>
-              <a:t>() is where the filtering takes process. The current plan can continue its execution or be changed if needed</a:t>
-            </a:r>
-          </a:p>
-          <a:p>
-            <a:pPr marL="285750" indent="-285750">
-              <a:buFont typeface="Arial" panose="020B0604020202020204" pitchFamily="34" charset="0"/>
-              <a:buChar char="•"/>
-            </a:pPr>
-            <a:endParaRPr lang="en-GB" dirty="0"/>
-          </a:p>
-          <a:p>
-            <a:pPr marL="285750" indent="-285750">
-              <a:buFont typeface="Arial" panose="020B0604020202020204" pitchFamily="34" charset="0"/>
-              <a:buChar char="•"/>
-            </a:pPr>
-            <a:r>
-              <a:rPr lang="en-GB" dirty="0"/>
-              <a:t>Nodes can only sense the state of the current simulation step and the actions they take only affect the next step</a:t>
-            </a:r>
-          </a:p>
-        </p:txBody>
-      </p:sp>
-      <p:sp>
-        <p:nvSpPr>
-          <p:cNvPr id="41" name="Rombo 40"/>
-          <p:cNvSpPr/>
-          <p:nvPr/>
-        </p:nvSpPr>
-        <p:spPr>
-          <a:xfrm>
-            <a:off x="1031410" y="2957218"/>
-            <a:ext cx="2559644" cy="867747"/>
-          </a:xfrm>
-          <a:prstGeom prst="diamond">
-            <a:avLst/>
-          </a:prstGeom>
-        </p:spPr>
-        <p:style>
-          <a:lnRef idx="2">
-            <a:schemeClr val="accent1">
-              <a:shade val="50000"/>
-            </a:schemeClr>
-          </a:lnRef>
-          <a:fillRef idx="1">
-            <a:schemeClr val="accent1"/>
-          </a:fillRef>
-          <a:effectRef idx="0">
-            <a:schemeClr val="accent1"/>
-          </a:effectRef>
-          <a:fontRef idx="minor">
-            <a:schemeClr val="lt1"/>
-          </a:fontRef>
-        </p:style>
-        <p:txBody>
-          <a:bodyPr rtlCol="0" anchor="ctr"/>
-          <a:lstStyle/>
-          <a:p>
-            <a:pPr algn="ctr"/>
-            <a:r>
-              <a:rPr lang="en-GB" dirty="0"/>
-              <a:t>deliberate()</a:t>
-            </a:r>
-            <a:endParaRPr lang="it-IT" dirty="0"/>
-          </a:p>
-        </p:txBody>
-      </p:sp>
-      <p:cxnSp>
-        <p:nvCxnSpPr>
-          <p:cNvPr id="47" name="Connettore 4 46"/>
-          <p:cNvCxnSpPr>
-            <a:stCxn id="8" idx="3"/>
-            <a:endCxn id="4" idx="0"/>
-          </p:cNvCxnSpPr>
-          <p:nvPr/>
-        </p:nvCxnSpPr>
-        <p:spPr>
-          <a:xfrm flipH="1" flipV="1">
-            <a:off x="2303053" y="2202025"/>
-            <a:ext cx="852600" cy="3323059"/>
-          </a:xfrm>
-          <a:prstGeom prst="bentConnector4">
-            <a:avLst>
-              <a:gd name="adj1" fmla="val -106701"/>
-              <a:gd name="adj2" fmla="val 106879"/>
-            </a:avLst>
-          </a:prstGeom>
-          <a:ln>
-            <a:tailEnd type="triangle"/>
-          </a:ln>
-        </p:spPr>
-        <p:style>
-          <a:lnRef idx="1">
-            <a:schemeClr val="accent1"/>
-          </a:lnRef>
-          <a:fillRef idx="0">
-            <a:schemeClr val="accent1"/>
-          </a:fillRef>
-          <a:effectRef idx="0">
-            <a:schemeClr val="accent1"/>
-          </a:effectRef>
-          <a:fontRef idx="minor">
-            <a:schemeClr val="tx1"/>
-          </a:fontRef>
-        </p:style>
-      </p:cxnSp>
+        </p:spPr>
+      </p:pic>
     </p:spTree>
     <p:extLst>
       <p:ext uri="{BB962C8B-B14F-4D97-AF65-F5344CB8AC3E}">
-        <p14:creationId xmlns:p14="http://schemas.microsoft.com/office/powerpoint/2010/main" val="3252859296"/>
+        <p14:creationId xmlns:p14="http://schemas.microsoft.com/office/powerpoint/2010/main" val="1765833913"/>
       </p:ext>
     </p:extLst>
   </p:cSld>
   <p:clrMapOvr>
     <a:masterClrMapping/>
   </p:clrMapOvr>
+  <p:timing>
+    <p:tnLst>
+      <p:par>
+        <p:cTn id="1" dur="indefinite" restart="never" nodeType="tmRoot"/>
+      </p:par>
+    </p:tnLst>
+  </p:timing>
 </p:sld>
 </file>
 
@@ -4364,7 +4059,7 @@
           <p:cNvPr id="2" name="Title 1">
             <a:extLst>
               <a:ext uri="{FF2B5EF4-FFF2-40B4-BE49-F238E27FC236}">
-                <a16:creationId xmlns:a16="http://schemas.microsoft.com/office/drawing/2014/main" id="{DB4EFF30-B846-394F-B496-6145BFAD9EF0}"/>
+                <a16:creationId xmlns:a16="http://schemas.microsoft.com/office/drawing/2014/main" id="{4CC043CE-2E0A-904B-A00E-FBFE89767964}"/>
               </a:ext>
             </a:extLst>
           </p:cNvPr>
@@ -4378,71 +4073,64 @@
         <p:spPr>
           <a:xfrm>
             <a:off x="838200" y="365125"/>
-            <a:ext cx="10515600" cy="656367"/>
+            <a:ext cx="10515600" cy="665389"/>
           </a:xfrm>
         </p:spPr>
         <p:txBody>
           <a:bodyPr>
-            <a:normAutofit fontScale="90000"/>
+            <a:normAutofit/>
           </a:bodyPr>
           <a:lstStyle/>
           <a:p>
             <a:r>
-              <a:rPr lang="en-US" dirty="0"/>
-              <a:t>World Map and Visibility</a:t>
-            </a:r>
-          </a:p>
-        </p:txBody>
-      </p:sp>
-      <p:sp>
-        <p:nvSpPr>
-          <p:cNvPr id="3" name="Content Placeholder 2">
-            <a:extLst>
-              <a:ext uri="{FF2B5EF4-FFF2-40B4-BE49-F238E27FC236}">
-                <a16:creationId xmlns:a16="http://schemas.microsoft.com/office/drawing/2014/main" id="{A96E1D02-DB2F-FA45-AC85-6617E0D456D6}"/>
-              </a:ext>
-            </a:extLst>
-          </p:cNvPr>
-          <p:cNvSpPr>
-            <a:spLocks noGrp="1"/>
-          </p:cNvSpPr>
-          <p:nvPr>
-            <p:ph idx="1"/>
-          </p:nvPr>
-        </p:nvSpPr>
-        <p:spPr>
-          <a:xfrm>
-            <a:off x="838200" y="1120346"/>
-            <a:ext cx="10515600" cy="5056617"/>
-          </a:xfrm>
-        </p:spPr>
-        <p:txBody>
-          <a:bodyPr/>
-          <a:lstStyle/>
-          <a:p>
-            <a:r>
-              <a:rPr lang="en-US" dirty="0"/>
-              <a:t>The world will be modeled as a 2D grid</a:t>
-            </a:r>
-          </a:p>
-          <a:p>
-            <a:r>
-              <a:rPr lang="en-US" dirty="0"/>
-              <a:t>Each cell can contain a node or an obstacle or be empty</a:t>
-            </a:r>
-          </a:p>
-          <a:p>
-            <a:r>
-              <a:rPr lang="en-US" dirty="0"/>
-              <a:t>Visibility is computed using breadth-first search on each node: visibility threshold is the maximum amount of steps to reach another node on the grid.</a:t>
-            </a:r>
+              <a:rPr lang="en-US" sz="4000" dirty="0"/>
+              <a:t>Results</a:t>
+            </a:r>
+          </a:p>
+        </p:txBody>
+      </p:sp>
+      <p:sp>
+        <p:nvSpPr>
+          <p:cNvPr id="4" name="TextBox 3"/>
+          <p:cNvSpPr txBox="1"/>
+          <p:nvPr/>
+        </p:nvSpPr>
+        <p:spPr>
+          <a:xfrm>
+            <a:off x="3425371" y="2975428"/>
+            <a:ext cx="5035674" cy="707886"/>
+          </a:xfrm>
+          <a:prstGeom prst="rect">
+            <a:avLst/>
+          </a:prstGeom>
+          <a:noFill/>
+        </p:spPr>
+        <p:txBody>
+          <a:bodyPr wrap="none" rtlCol="0">
+            <a:spAutoFit/>
+          </a:bodyPr>
+          <a:lstStyle/>
+          <a:p>
+            <a:r>
+              <a:rPr lang="en-US" sz="4000" dirty="0" smtClean="0">
+                <a:solidFill>
+                  <a:srgbClr val="FF0000"/>
+                </a:solidFill>
+              </a:rPr>
+              <a:t>!!!!Work in progress!!!!</a:t>
+            </a:r>
+            <a:endParaRPr lang="en-US" sz="4000" dirty="0">
+              <a:solidFill>
+                <a:srgbClr val="FF0000"/>
+              </a:solidFill>
+            </a:endParaRPr>
           </a:p>
         </p:txBody>
       </p:sp>
     </p:spTree>
     <p:extLst>
       <p:ext uri="{BB962C8B-B14F-4D97-AF65-F5344CB8AC3E}">
-        <p14:creationId xmlns:p14="http://schemas.microsoft.com/office/powerpoint/2010/main" val="1765833913"/>
+        <p14:creationId xmlns:p14="http://schemas.microsoft.com/office/powerpoint/2010/main" val="116246374"/>
       </p:ext>
     </p:extLst>
   </p:cSld>
@@ -4474,7 +4162,7 @@
           <p:cNvPr id="2" name="Title 1">
             <a:extLst>
               <a:ext uri="{FF2B5EF4-FFF2-40B4-BE49-F238E27FC236}">
-                <a16:creationId xmlns:a16="http://schemas.microsoft.com/office/drawing/2014/main" id="{F8D741B5-FF4A-B94F-A905-F140ADB80FB7}"/>
+                <a16:creationId xmlns:a16="http://schemas.microsoft.com/office/drawing/2014/main" id="{67639398-6E18-0248-8137-5D7E149251AE}"/>
               </a:ext>
             </a:extLst>
           </p:cNvPr>
@@ -4485,7 +4173,12 @@
             <p:ph type="title"/>
           </p:nvPr>
         </p:nvSpPr>
-        <p:spPr/>
+        <p:spPr>
+          <a:xfrm>
+            <a:off x="838200" y="365126"/>
+            <a:ext cx="10515600" cy="719396"/>
+          </a:xfrm>
+        </p:spPr>
         <p:txBody>
           <a:bodyPr>
             <a:normAutofit/>
@@ -4494,7 +4187,7 @@
           <a:p>
             <a:r>
               <a:rPr lang="en-US" sz="4000" dirty="0"/>
-              <a:t>Configuration files</a:t>
+              <a:t>Conclusions</a:t>
             </a:r>
           </a:p>
         </p:txBody>
@@ -4504,7 +4197,7 @@
           <p:cNvPr id="3" name="Content Placeholder 2">
             <a:extLst>
               <a:ext uri="{FF2B5EF4-FFF2-40B4-BE49-F238E27FC236}">
-                <a16:creationId xmlns:a16="http://schemas.microsoft.com/office/drawing/2014/main" id="{963CAE35-812A-404D-A958-646CFDC250FE}"/>
+                <a16:creationId xmlns:a16="http://schemas.microsoft.com/office/drawing/2014/main" id="{287DFBB1-5875-FF4A-9E1C-56A5B5E161DD}"/>
               </a:ext>
             </a:extLst>
           </p:cNvPr>
@@ -4515,19 +4208,73 @@
             <p:ph idx="1"/>
           </p:nvPr>
         </p:nvSpPr>
-        <p:spPr/>
+        <p:spPr>
+          <a:xfrm>
+            <a:off x="838200" y="1084521"/>
+            <a:ext cx="10515600" cy="5092442"/>
+          </a:xfrm>
+        </p:spPr>
         <p:txBody>
           <a:bodyPr/>
           <a:lstStyle/>
           <a:p>
-            <a:endParaRPr lang="en-US"/>
+            <a:r>
+              <a:rPr lang="en-US" dirty="0"/>
+              <a:t>At this stage, the system does not always converge to a configuration that guarantees full network connectivity</a:t>
+            </a:r>
+          </a:p>
+          <a:p>
+            <a:r>
+              <a:rPr lang="en-US" dirty="0"/>
+              <a:t>Access point nodes consume more power because they are involved in network management </a:t>
+            </a:r>
+            <a:r>
+              <a:rPr lang="en-US" dirty="0" smtClean="0"/>
+              <a:t>and </a:t>
+            </a:r>
+            <a:r>
+              <a:rPr lang="en-US" dirty="0" smtClean="0"/>
+              <a:t>traffic forwarding </a:t>
+            </a:r>
+            <a:r>
+              <a:rPr lang="en-US" dirty="0" smtClean="0"/>
+              <a:t>which </a:t>
+            </a:r>
+            <a:r>
+              <a:rPr lang="en-US" dirty="0"/>
+              <a:t>means sending and receiving more </a:t>
+            </a:r>
+            <a:r>
+              <a:rPr lang="en-US" dirty="0" smtClean="0"/>
+              <a:t>packets</a:t>
+            </a:r>
+          </a:p>
+          <a:p>
+            <a:r>
+              <a:rPr lang="en-US" dirty="0" smtClean="0"/>
+              <a:t>The more nodes you have, the more power the network consumes</a:t>
+            </a:r>
+          </a:p>
+          <a:p>
+            <a:r>
+              <a:rPr lang="en-US" dirty="0" smtClean="0"/>
+              <a:t>Visibility affects the ability of the system to generate e fully connected network and indirectly power consumption. </a:t>
+            </a:r>
+            <a:endParaRPr lang="en-US" dirty="0"/>
+          </a:p>
+          <a:p>
+            <a:r>
+              <a:rPr lang="en-US" dirty="0" smtClean="0"/>
+              <a:t>Less visibility means more access point nodes</a:t>
+            </a:r>
+            <a:endParaRPr lang="en-US" dirty="0"/>
           </a:p>
         </p:txBody>
       </p:sp>
     </p:spTree>
     <p:extLst>
       <p:ext uri="{BB962C8B-B14F-4D97-AF65-F5344CB8AC3E}">
-        <p14:creationId xmlns:p14="http://schemas.microsoft.com/office/powerpoint/2010/main" val="1152793271"/>
+        <p14:creationId xmlns:p14="http://schemas.microsoft.com/office/powerpoint/2010/main" val="4242932159"/>
       </p:ext>
     </p:extLst>
   </p:cSld>
@@ -4559,7 +4306,7 @@
           <p:cNvPr id="2" name="Title 1">
             <a:extLst>
               <a:ext uri="{FF2B5EF4-FFF2-40B4-BE49-F238E27FC236}">
-                <a16:creationId xmlns:a16="http://schemas.microsoft.com/office/drawing/2014/main" id="{62EAC73A-052A-4842-8514-EB213B3C77B1}"/>
+                <a16:creationId xmlns:a16="http://schemas.microsoft.com/office/drawing/2014/main" id="{CBBE16A3-A5C7-C045-B05D-81CC5FD85EED}"/>
               </a:ext>
             </a:extLst>
           </p:cNvPr>
@@ -4579,7 +4326,7 @@
           <a:p>
             <a:r>
               <a:rPr lang="en-US" sz="4000" dirty="0"/>
-              <a:t>Results files</a:t>
+              <a:t>Future Work</a:t>
             </a:r>
           </a:p>
         </p:txBody>
@@ -4589,7 +4336,7 @@
           <p:cNvPr id="3" name="Content Placeholder 2">
             <a:extLst>
               <a:ext uri="{FF2B5EF4-FFF2-40B4-BE49-F238E27FC236}">
-                <a16:creationId xmlns:a16="http://schemas.microsoft.com/office/drawing/2014/main" id="{710FCC57-6410-404B-AA0B-EDAD36FCD37F}"/>
+                <a16:creationId xmlns:a16="http://schemas.microsoft.com/office/drawing/2014/main" id="{839206C7-D5FA-4048-B67B-0B303373F508}"/>
               </a:ext>
             </a:extLst>
           </p:cNvPr>
@@ -4600,19 +4347,72 @@
             <p:ph idx="1"/>
           </p:nvPr>
         </p:nvSpPr>
-        <p:spPr/>
+        <p:spPr>
+          <a:xfrm>
+            <a:off x="838200" y="1564368"/>
+            <a:ext cx="10515600" cy="4351338"/>
+          </a:xfrm>
+        </p:spPr>
         <p:txBody>
           <a:bodyPr/>
           <a:lstStyle/>
           <a:p>
-            <a:endParaRPr lang="en-US"/>
+            <a:r>
+              <a:rPr lang="en-US" dirty="0" smtClean="0"/>
+              <a:t>Add propagation models</a:t>
+            </a:r>
+          </a:p>
+          <a:p>
+            <a:r>
+              <a:rPr lang="en-US" dirty="0" smtClean="0"/>
+              <a:t>Add mobility effects</a:t>
+            </a:r>
+          </a:p>
+          <a:p>
+            <a:r>
+              <a:rPr lang="en-US" dirty="0" smtClean="0"/>
+              <a:t>3D</a:t>
+            </a:r>
+          </a:p>
+          <a:p>
+            <a:r>
+              <a:rPr lang="en-US" dirty="0" smtClean="0"/>
+              <a:t>Improve power consumption model</a:t>
+            </a:r>
+          </a:p>
+          <a:p>
+            <a:r>
+              <a:rPr lang="en-US" dirty="0" smtClean="0"/>
+              <a:t>Add different wireless protocols (Bluetooth, </a:t>
+            </a:r>
+            <a:r>
+              <a:rPr lang="en-US" dirty="0" err="1" smtClean="0"/>
+              <a:t>Zigbee</a:t>
+            </a:r>
+            <a:r>
+              <a:rPr lang="en-US" dirty="0" smtClean="0"/>
+              <a:t>, etc…)</a:t>
+            </a:r>
+          </a:p>
+          <a:p>
+            <a:r>
+              <a:rPr lang="en-US" dirty="0" smtClean="0"/>
+              <a:t>Add different criteria for Access point nodes selection (Power fairness for example)</a:t>
+            </a:r>
+          </a:p>
+          <a:p>
+            <a:r>
+              <a:rPr lang="en-US" dirty="0" smtClean="0"/>
+              <a:t>Add different routing constraints</a:t>
+            </a:r>
+            <a:endParaRPr lang="en-US" dirty="0"/>
           </a:p>
         </p:txBody>
       </p:sp>
     </p:spTree>
     <p:extLst>
       <p:ext uri="{BB962C8B-B14F-4D97-AF65-F5344CB8AC3E}">
-        <p14:creationId xmlns:p14="http://schemas.microsoft.com/office/powerpoint/2010/main" val="350962266"/>
+        <p14:creationId xmlns:p14="http://schemas.microsoft.com/office/powerpoint/2010/main" val="4015236581"/>
       </p:ext>
     </p:extLst>
   </p:cSld>
@@ -4641,13 +4441,7 @@
       </p:grpSpPr>
       <p:sp>
         <p:nvSpPr>
-          <p:cNvPr id="2" name="Title 1">
-            <a:extLst>
-              <a:ext uri="{FF2B5EF4-FFF2-40B4-BE49-F238E27FC236}">
-                <a16:creationId xmlns:a16="http://schemas.microsoft.com/office/drawing/2014/main" id="{4CC043CE-2E0A-904B-A00E-FBFE89767964}"/>
-              </a:ext>
-            </a:extLst>
-          </p:cNvPr>
+          <p:cNvPr id="2" name="Title 1"/>
           <p:cNvSpPr>
             <a:spLocks noGrp="1"/>
           </p:cNvSpPr>
@@ -4655,7 +4449,40 @@
             <p:ph type="title"/>
           </p:nvPr>
         </p:nvSpPr>
-        <p:spPr/>
+        <p:spPr>
+          <a:xfrm>
+            <a:off x="838200" y="365126"/>
+            <a:ext cx="10515600" cy="810532"/>
+          </a:xfrm>
+        </p:spPr>
+        <p:txBody>
+          <a:bodyPr/>
+          <a:lstStyle/>
+          <a:p>
+            <a:r>
+              <a:rPr lang="en-US" dirty="0" smtClean="0"/>
+              <a:t>Reference</a:t>
+            </a:r>
+            <a:endParaRPr lang="en-US" dirty="0"/>
+          </a:p>
+        </p:txBody>
+      </p:sp>
+      <p:sp>
+        <p:nvSpPr>
+          <p:cNvPr id="3" name="Content Placeholder 2"/>
+          <p:cNvSpPr>
+            <a:spLocks noGrp="1"/>
+          </p:cNvSpPr>
+          <p:nvPr>
+            <p:ph idx="1"/>
+          </p:nvPr>
+        </p:nvSpPr>
+        <p:spPr>
+          <a:xfrm>
+            <a:off x="838200" y="1175658"/>
+            <a:ext cx="10515600" cy="5001305"/>
+          </a:xfrm>
+        </p:spPr>
         <p:txBody>
           <a:bodyPr>
             <a:normAutofit/>
@@ -4663,41 +4490,191 @@
           <a:lstStyle/>
           <a:p>
             <a:r>
-              <a:rPr lang="en-US" sz="4000" dirty="0"/>
-              <a:t>Results</a:t>
-            </a:r>
-          </a:p>
-        </p:txBody>
-      </p:sp>
-      <p:sp>
-        <p:nvSpPr>
-          <p:cNvPr id="3" name="Content Placeholder 2">
-            <a:extLst>
-              <a:ext uri="{FF2B5EF4-FFF2-40B4-BE49-F238E27FC236}">
-                <a16:creationId xmlns:a16="http://schemas.microsoft.com/office/drawing/2014/main" id="{EFE568DA-32ED-6249-9FFD-F2E481702DCE}"/>
-              </a:ext>
-            </a:extLst>
-          </p:cNvPr>
-          <p:cNvSpPr>
-            <a:spLocks noGrp="1"/>
-          </p:cNvSpPr>
-          <p:nvPr>
-            <p:ph idx="1"/>
-          </p:nvPr>
-        </p:nvSpPr>
-        <p:spPr/>
-        <p:txBody>
-          <a:bodyPr/>
-          <a:lstStyle/>
-          <a:p>
-            <a:endParaRPr lang="en-US"/>
+              <a:rPr lang="en-US" sz="1600" dirty="0" smtClean="0"/>
+              <a:t>“A Simple-to-Use BDI Architecture for Agent Modeling and Simulation”, P. </a:t>
+            </a:r>
+            <a:r>
+              <a:rPr lang="en-US" sz="1600" dirty="0" err="1" smtClean="0"/>
+              <a:t>Caillou</a:t>
+            </a:r>
+            <a:r>
+              <a:rPr lang="en-US" sz="1600" dirty="0" smtClean="0"/>
+              <a:t>, B. </a:t>
+            </a:r>
+            <a:r>
+              <a:rPr lang="en-US" sz="1600" dirty="0" err="1" smtClean="0"/>
+              <a:t>Gaudou</a:t>
+            </a:r>
+            <a:r>
+              <a:rPr lang="en-US" sz="1600" dirty="0" smtClean="0"/>
+              <a:t>, A. Grignard, C. </a:t>
+            </a:r>
+            <a:r>
+              <a:rPr lang="en-US" sz="1600" dirty="0" err="1" smtClean="0"/>
+              <a:t>Quang</a:t>
+            </a:r>
+            <a:r>
+              <a:rPr lang="en-US" sz="1600" dirty="0" smtClean="0"/>
+              <a:t> Truong, P. </a:t>
+            </a:r>
+            <a:r>
+              <a:rPr lang="en-US" sz="1600" dirty="0" err="1" smtClean="0"/>
+              <a:t>Taillandier</a:t>
+            </a:r>
+            <a:r>
+              <a:rPr lang="en-US" sz="1600" dirty="0" smtClean="0"/>
+              <a:t> – Advances in Social Simulation 2015</a:t>
+            </a:r>
+          </a:p>
+          <a:p>
+            <a:r>
+              <a:rPr lang="en-US" sz="1600" dirty="0" smtClean="0"/>
+              <a:t>“Plans and Resource-Bounded Practical Reasoning”, M.E. </a:t>
+            </a:r>
+            <a:r>
+              <a:rPr lang="en-US" sz="1600" dirty="0" err="1" smtClean="0"/>
+              <a:t>Bratman</a:t>
+            </a:r>
+            <a:r>
+              <a:rPr lang="en-US" sz="1600" dirty="0" smtClean="0"/>
+              <a:t>, D.J. Israel, M.E. Pollack – Computational Intelligence,4; 1988</a:t>
+            </a:r>
+          </a:p>
+          <a:p>
+            <a:r>
+              <a:rPr lang="en-US" sz="1600" dirty="0" smtClean="0"/>
+              <a:t>“BDI Agents: From Theory to Practice”, A.S. Rao, M.P. </a:t>
+            </a:r>
+            <a:r>
+              <a:rPr lang="en-US" sz="1600" dirty="0" err="1" smtClean="0"/>
+              <a:t>Georgeff</a:t>
+            </a:r>
+            <a:r>
+              <a:rPr lang="en-US" sz="1600" dirty="0" smtClean="0"/>
+              <a:t> – </a:t>
+            </a:r>
+            <a:r>
+              <a:rPr lang="en-US" sz="1600" dirty="0" err="1" smtClean="0"/>
+              <a:t>Procedings</a:t>
+            </a:r>
+            <a:r>
+              <a:rPr lang="en-US" sz="1600" dirty="0" smtClean="0"/>
+              <a:t> of the First International Conference on Multi-Agent Systems, 1995</a:t>
+            </a:r>
+          </a:p>
+          <a:p>
+            <a:r>
+              <a:rPr lang="en-US" sz="1600" dirty="0" smtClean="0"/>
+              <a:t>“Cognitive Radio Networking and Communications: An Overview” Y.C. Liang, K.C. Chen, G. Ye Li, P. </a:t>
+            </a:r>
+            <a:r>
+              <a:rPr lang="en-US" sz="1600" dirty="0" err="1" smtClean="0"/>
+              <a:t>Mähönen</a:t>
+            </a:r>
+            <a:r>
+              <a:rPr lang="en-US" sz="1600" dirty="0"/>
+              <a:t> </a:t>
+            </a:r>
+            <a:r>
+              <a:rPr lang="en-US" sz="1600" dirty="0" smtClean="0"/>
+              <a:t>– IEEE Transactions on Vehicular Technology</a:t>
+            </a:r>
+          </a:p>
+          <a:p>
+            <a:r>
+              <a:rPr lang="en-US" sz="1600" dirty="0" smtClean="0"/>
+              <a:t>“Consensus and Cooperation in Networked Multi-Agent Systems”, R. </a:t>
+            </a:r>
+            <a:r>
+              <a:rPr lang="en-US" sz="1600" dirty="0" err="1" smtClean="0"/>
+              <a:t>Olfati</a:t>
+            </a:r>
+            <a:r>
+              <a:rPr lang="en-US" sz="1600" dirty="0" smtClean="0"/>
+              <a:t>-Saber, J.A. Fax, R.M. Murray – Proceedings of the IEEE, 2007</a:t>
+            </a:r>
+          </a:p>
+          <a:p>
+            <a:r>
+              <a:rPr lang="en-US" sz="1600" dirty="0" smtClean="0"/>
+              <a:t>“Cognitive Networks: Adaptation and Learning to Achieve End-to-End Performance Objectives”, R.W. Thomas, D.H. Friend, L.A. Da Silva, A.B. </a:t>
+            </a:r>
+            <a:r>
+              <a:rPr lang="en-US" sz="1600" dirty="0" err="1" smtClean="0"/>
+              <a:t>MacKenzie</a:t>
+            </a:r>
+            <a:r>
+              <a:rPr lang="en-US" sz="1600" dirty="0" smtClean="0"/>
+              <a:t> – IEEE Communications Magazine</a:t>
+            </a:r>
+          </a:p>
+          <a:p>
+            <a:r>
+              <a:rPr lang="en-US" sz="1600" dirty="0" smtClean="0"/>
+              <a:t>“Trends in the development of </a:t>
+            </a:r>
+            <a:r>
+              <a:rPr lang="en-US" sz="1600" dirty="0" err="1" smtClean="0"/>
+              <a:t>communiation</a:t>
+            </a:r>
+            <a:r>
+              <a:rPr lang="en-US" sz="1600" dirty="0" smtClean="0"/>
+              <a:t> networks: Cognitive networks”, C. Fortuna, M. </a:t>
+            </a:r>
+            <a:r>
+              <a:rPr lang="en-US" sz="1600" dirty="0" err="1" smtClean="0"/>
+              <a:t>Mohorcic</a:t>
+            </a:r>
+            <a:r>
+              <a:rPr lang="en-US" sz="1600" dirty="0" smtClean="0"/>
+              <a:t> – Computer Networks, 2009</a:t>
+            </a:r>
+          </a:p>
+          <a:p>
+            <a:r>
+              <a:rPr lang="en-US" sz="1600" dirty="0" smtClean="0"/>
+              <a:t>“An Introduction to </a:t>
+            </a:r>
+            <a:r>
+              <a:rPr lang="en-US" sz="1600" dirty="0" err="1" smtClean="0"/>
+              <a:t>MultiAgent</a:t>
+            </a:r>
+            <a:r>
+              <a:rPr lang="en-US" sz="1600" dirty="0" smtClean="0"/>
+              <a:t> Systems”, M. Wooldridge, Wiley 2009</a:t>
+            </a:r>
+          </a:p>
+          <a:p>
+            <a:r>
+              <a:rPr lang="en-US" sz="1600" dirty="0" smtClean="0"/>
+              <a:t>“Agent Architecture: An Overview”, K.O. Chin, K.S. </a:t>
+            </a:r>
+            <a:r>
+              <a:rPr lang="en-US" sz="1600" dirty="0" err="1" smtClean="0"/>
+              <a:t>Gan</a:t>
+            </a:r>
+            <a:r>
+              <a:rPr lang="en-US" sz="1600" dirty="0" smtClean="0"/>
+              <a:t>, R. Alfred, P. Anthony, D. </a:t>
+            </a:r>
+            <a:r>
+              <a:rPr lang="en-US" sz="1600" dirty="0" err="1" smtClean="0"/>
+              <a:t>Lukose</a:t>
+            </a:r>
+            <a:r>
+              <a:rPr lang="en-US" sz="1600" dirty="0" smtClean="0"/>
+              <a:t> – Transactions on Science and Technology, 2014 </a:t>
+            </a:r>
+          </a:p>
+          <a:p>
+            <a:endParaRPr lang="en-US" sz="1600" dirty="0"/>
           </a:p>
         </p:txBody>
       </p:sp>
     </p:spTree>
     <p:extLst>
       <p:ext uri="{BB962C8B-B14F-4D97-AF65-F5344CB8AC3E}">
-        <p14:creationId xmlns:p14="http://schemas.microsoft.com/office/powerpoint/2010/main" val="116246374"/>
+        <p14:creationId xmlns:p14="http://schemas.microsoft.com/office/powerpoint/2010/main" val="2062414128"/>
       </p:ext>
     </p:extLst>
   </p:cSld>
@@ -4708,200 +4685,6 @@
 </file>
 
 <file path=ppt/slides/slide17.xml><?xml version="1.0" encoding="utf-8"?>
-<p:sld xmlns:a="http://schemas.openxmlformats.org/drawingml/2006/main" xmlns:r="http://schemas.openxmlformats.org/officeDocument/2006/relationships" xmlns:p="http://schemas.openxmlformats.org/presentationml/2006/main">
-  <p:cSld>
-    <p:spTree>
-      <p:nvGrpSpPr>
-        <p:cNvPr id="1" name=""/>
-        <p:cNvGrpSpPr/>
-        <p:nvPr/>
-      </p:nvGrpSpPr>
-      <p:grpSpPr>
-        <a:xfrm>
-          <a:off x="0" y="0"/>
-          <a:ext cx="0" cy="0"/>
-          <a:chOff x="0" y="0"/>
-          <a:chExt cx="0" cy="0"/>
-        </a:xfrm>
-      </p:grpSpPr>
-      <p:sp>
-        <p:nvSpPr>
-          <p:cNvPr id="2" name="Title 1">
-            <a:extLst>
-              <a:ext uri="{FF2B5EF4-FFF2-40B4-BE49-F238E27FC236}">
-                <a16:creationId xmlns:a16="http://schemas.microsoft.com/office/drawing/2014/main" id="{67639398-6E18-0248-8137-5D7E149251AE}"/>
-              </a:ext>
-            </a:extLst>
-          </p:cNvPr>
-          <p:cNvSpPr>
-            <a:spLocks noGrp="1"/>
-          </p:cNvSpPr>
-          <p:nvPr>
-            <p:ph type="title"/>
-          </p:nvPr>
-        </p:nvSpPr>
-        <p:spPr>
-          <a:xfrm>
-            <a:off x="838200" y="365126"/>
-            <a:ext cx="10515600" cy="719396"/>
-          </a:xfrm>
-        </p:spPr>
-        <p:txBody>
-          <a:bodyPr>
-            <a:normAutofit/>
-          </a:bodyPr>
-          <a:lstStyle/>
-          <a:p>
-            <a:r>
-              <a:rPr lang="en-US" sz="4000" dirty="0"/>
-              <a:t>Conclusions</a:t>
-            </a:r>
-          </a:p>
-        </p:txBody>
-      </p:sp>
-      <p:sp>
-        <p:nvSpPr>
-          <p:cNvPr id="3" name="Content Placeholder 2">
-            <a:extLst>
-              <a:ext uri="{FF2B5EF4-FFF2-40B4-BE49-F238E27FC236}">
-                <a16:creationId xmlns:a16="http://schemas.microsoft.com/office/drawing/2014/main" id="{287DFBB1-5875-FF4A-9E1C-56A5B5E161DD}"/>
-              </a:ext>
-            </a:extLst>
-          </p:cNvPr>
-          <p:cNvSpPr>
-            <a:spLocks noGrp="1"/>
-          </p:cNvSpPr>
-          <p:nvPr>
-            <p:ph idx="1"/>
-          </p:nvPr>
-        </p:nvSpPr>
-        <p:spPr>
-          <a:xfrm>
-            <a:off x="838200" y="1084521"/>
-            <a:ext cx="10515600" cy="5092442"/>
-          </a:xfrm>
-        </p:spPr>
-        <p:txBody>
-          <a:bodyPr/>
-          <a:lstStyle/>
-          <a:p>
-            <a:r>
-              <a:rPr lang="en-US" dirty="0"/>
-              <a:t>At this stage, the system does not always converge to a configuration that guarantees full network connectivity</a:t>
-            </a:r>
-          </a:p>
-          <a:p>
-            <a:r>
-              <a:rPr lang="en-US" dirty="0"/>
-              <a:t>Access point nodes consume more power because they are involved in network management which means sending and </a:t>
-            </a:r>
-            <a:r>
-              <a:rPr lang="en-US"/>
-              <a:t>receiving more packets</a:t>
-            </a:r>
-            <a:endParaRPr lang="en-US" dirty="0"/>
-          </a:p>
-        </p:txBody>
-      </p:sp>
-    </p:spTree>
-    <p:extLst>
-      <p:ext uri="{BB962C8B-B14F-4D97-AF65-F5344CB8AC3E}">
-        <p14:creationId xmlns:p14="http://schemas.microsoft.com/office/powerpoint/2010/main" val="4242932159"/>
-      </p:ext>
-    </p:extLst>
-  </p:cSld>
-  <p:clrMapOvr>
-    <a:masterClrMapping/>
-  </p:clrMapOvr>
-</p:sld>
-</file>
-
-<file path=ppt/slides/slide18.xml><?xml version="1.0" encoding="utf-8"?>
-<p:sld xmlns:a="http://schemas.openxmlformats.org/drawingml/2006/main" xmlns:r="http://schemas.openxmlformats.org/officeDocument/2006/relationships" xmlns:p="http://schemas.openxmlformats.org/presentationml/2006/main">
-  <p:cSld>
-    <p:spTree>
-      <p:nvGrpSpPr>
-        <p:cNvPr id="1" name=""/>
-        <p:cNvGrpSpPr/>
-        <p:nvPr/>
-      </p:nvGrpSpPr>
-      <p:grpSpPr>
-        <a:xfrm>
-          <a:off x="0" y="0"/>
-          <a:ext cx="0" cy="0"/>
-          <a:chOff x="0" y="0"/>
-          <a:chExt cx="0" cy="0"/>
-        </a:xfrm>
-      </p:grpSpPr>
-      <p:sp>
-        <p:nvSpPr>
-          <p:cNvPr id="2" name="Title 1">
-            <a:extLst>
-              <a:ext uri="{FF2B5EF4-FFF2-40B4-BE49-F238E27FC236}">
-                <a16:creationId xmlns:a16="http://schemas.microsoft.com/office/drawing/2014/main" id="{CBBE16A3-A5C7-C045-B05D-81CC5FD85EED}"/>
-              </a:ext>
-            </a:extLst>
-          </p:cNvPr>
-          <p:cNvSpPr>
-            <a:spLocks noGrp="1"/>
-          </p:cNvSpPr>
-          <p:nvPr>
-            <p:ph type="title"/>
-          </p:nvPr>
-        </p:nvSpPr>
-        <p:spPr/>
-        <p:txBody>
-          <a:bodyPr>
-            <a:normAutofit/>
-          </a:bodyPr>
-          <a:lstStyle/>
-          <a:p>
-            <a:r>
-              <a:rPr lang="en-US" sz="4000" dirty="0"/>
-              <a:t>Future Work</a:t>
-            </a:r>
-          </a:p>
-        </p:txBody>
-      </p:sp>
-      <p:sp>
-        <p:nvSpPr>
-          <p:cNvPr id="3" name="Content Placeholder 2">
-            <a:extLst>
-              <a:ext uri="{FF2B5EF4-FFF2-40B4-BE49-F238E27FC236}">
-                <a16:creationId xmlns:a16="http://schemas.microsoft.com/office/drawing/2014/main" id="{839206C7-D5FA-4048-B67B-0B303373F508}"/>
-              </a:ext>
-            </a:extLst>
-          </p:cNvPr>
-          <p:cNvSpPr>
-            <a:spLocks noGrp="1"/>
-          </p:cNvSpPr>
-          <p:nvPr>
-            <p:ph idx="1"/>
-          </p:nvPr>
-        </p:nvSpPr>
-        <p:spPr/>
-        <p:txBody>
-          <a:bodyPr/>
-          <a:lstStyle/>
-          <a:p>
-            <a:endParaRPr lang="en-US"/>
-          </a:p>
-        </p:txBody>
-      </p:sp>
-    </p:spTree>
-    <p:extLst>
-      <p:ext uri="{BB962C8B-B14F-4D97-AF65-F5344CB8AC3E}">
-        <p14:creationId xmlns:p14="http://schemas.microsoft.com/office/powerpoint/2010/main" val="4015236581"/>
-      </p:ext>
-    </p:extLst>
-  </p:cSld>
-  <p:clrMapOvr>
-    <a:masterClrMapping/>
-  </p:clrMapOvr>
-</p:sld>
-</file>
-
-<file path=ppt/slides/slide19.xml><?xml version="1.0" encoding="utf-8"?>
 <p:sld xmlns:a="http://schemas.openxmlformats.org/drawingml/2006/main" xmlns:r="http://schemas.openxmlformats.org/officeDocument/2006/relationships" xmlns:p="http://schemas.openxmlformats.org/presentationml/2006/main">
   <p:cSld>
     <p:spTree>
@@ -5225,8 +5008,41 @@
             </a:pPr>
             <a:r>
               <a:rPr lang="en-GB" dirty="0"/>
-              <a:t>Can the nodes build a fully connected network?</a:t>
-            </a:r>
+              <a:t>Can the nodes </a:t>
+            </a:r>
+            <a:r>
+              <a:rPr lang="en-GB" dirty="0" smtClean="0"/>
+              <a:t>autonomously build </a:t>
+            </a:r>
+            <a:r>
+              <a:rPr lang="en-GB" dirty="0"/>
+              <a:t>a fully connected network</a:t>
+            </a:r>
+            <a:r>
+              <a:rPr lang="en-GB" dirty="0" smtClean="0"/>
+              <a:t>?</a:t>
+            </a:r>
+          </a:p>
+          <a:p>
+            <a:pPr marL="971550" lvl="1" indent="-514350">
+              <a:buFont typeface="+mj-lt"/>
+              <a:buAutoNum type="arabicPeriod"/>
+            </a:pPr>
+            <a:r>
+              <a:rPr lang="en-GB" dirty="0" smtClean="0"/>
+              <a:t>Which kind of information do they need?</a:t>
+            </a:r>
+          </a:p>
+          <a:p>
+            <a:pPr marL="971550" lvl="1" indent="-514350">
+              <a:buFont typeface="+mj-lt"/>
+              <a:buAutoNum type="arabicPeriod"/>
+            </a:pPr>
+            <a:r>
+              <a:rPr lang="en-GB" dirty="0" smtClean="0"/>
+              <a:t>Which protocol do they need to follow?</a:t>
+            </a:r>
+            <a:endParaRPr lang="en-GB" dirty="0"/>
           </a:p>
           <a:p>
             <a:pPr marL="514350" lvl="0" indent="-514350">
@@ -5348,12 +5164,84 @@
             <p:ph idx="1"/>
           </p:nvPr>
         </p:nvSpPr>
-        <p:spPr/>
-        <p:txBody>
-          <a:bodyPr/>
-          <a:lstStyle/>
-          <a:p>
-            <a:endParaRPr lang="en-US"/>
+        <p:spPr>
+          <a:xfrm>
+            <a:off x="838200" y="1459865"/>
+            <a:ext cx="10515600" cy="4331335"/>
+          </a:xfrm>
+        </p:spPr>
+        <p:txBody>
+          <a:bodyPr>
+            <a:normAutofit fontScale="92500"/>
+          </a:bodyPr>
+          <a:lstStyle/>
+          <a:p>
+            <a:pPr marL="514350" indent="-514350">
+              <a:buFont typeface="+mj-lt"/>
+              <a:buAutoNum type="arabicPeriod"/>
+            </a:pPr>
+            <a:r>
+              <a:rPr lang="en-US" dirty="0" smtClean="0"/>
+              <a:t>The nodes can build a fully connected network:</a:t>
+            </a:r>
+          </a:p>
+          <a:p>
+            <a:pPr lvl="1"/>
+            <a:r>
+              <a:rPr lang="en-US" dirty="0" smtClean="0"/>
+              <a:t>Stations need to know the visible access points and decide which one to pick</a:t>
+            </a:r>
+          </a:p>
+          <a:p>
+            <a:pPr lvl="1"/>
+            <a:r>
+              <a:rPr lang="en-US" dirty="0" smtClean="0"/>
+              <a:t>Access points need to know if they need to be a station of one another and if they can turn off the AP behavior (and become simple stations to save energy)</a:t>
+            </a:r>
+          </a:p>
+          <a:p>
+            <a:pPr marL="514350" indent="-514350">
+              <a:buFont typeface="+mj-lt"/>
+              <a:buAutoNum type="arabicPeriod"/>
+            </a:pPr>
+            <a:r>
+              <a:rPr lang="en-US" dirty="0" smtClean="0"/>
+              <a:t>Nodes can chose a network topology such that the total battery life is maximized</a:t>
+            </a:r>
+          </a:p>
+          <a:p>
+            <a:pPr lvl="1"/>
+            <a:r>
+              <a:rPr lang="en-US" dirty="0" smtClean="0"/>
+              <a:t>Only local information is needed (visible nodes)</a:t>
+            </a:r>
+          </a:p>
+          <a:p>
+            <a:pPr lvl="1"/>
+            <a:r>
+              <a:rPr lang="en-US" dirty="0" smtClean="0"/>
+              <a:t>The geographical distribution plays a role</a:t>
+            </a:r>
+          </a:p>
+          <a:p>
+            <a:pPr marL="514350" indent="-514350">
+              <a:buFont typeface="+mj-lt"/>
+              <a:buAutoNum type="arabicPeriod"/>
+            </a:pPr>
+            <a:r>
+              <a:rPr lang="en-US" dirty="0" smtClean="0"/>
+              <a:t>If a station dies, the other stations are not impacted; if an access point dies, the stations previously attached to it try to find a different arrangement without affecting the rest of the network</a:t>
+            </a:r>
+          </a:p>
+          <a:p>
+            <a:pPr marL="457200" lvl="1" indent="0">
+              <a:buNone/>
+            </a:pPr>
+            <a:endParaRPr lang="en-US" dirty="0" smtClean="0"/>
+          </a:p>
+          <a:p>
+            <a:pPr lvl="1"/>
+            <a:endParaRPr lang="en-US" dirty="0"/>
           </a:p>
         </p:txBody>
       </p:sp>
@@ -5440,30 +5328,61 @@
         </p:nvSpPr>
         <p:spPr>
           <a:xfrm>
-            <a:off x="838200" y="956931"/>
-            <a:ext cx="10515600" cy="2934350"/>
-          </a:xfrm>
-        </p:spPr>
-        <p:txBody>
-          <a:bodyPr/>
+            <a:off x="838200" y="956930"/>
+            <a:ext cx="10515600" cy="3775089"/>
+          </a:xfrm>
+        </p:spPr>
+        <p:txBody>
+          <a:bodyPr>
+            <a:normAutofit/>
+          </a:bodyPr>
           <a:lstStyle/>
           <a:p>
             <a:r>
               <a:rPr lang="en-GB" dirty="0"/>
-              <a:t>Nodes can only form networks with a star topology  with access point nodes as central node of the star.</a:t>
-            </a:r>
+              <a:t>Nodes can only form networks with a star topology  with access point nodes as central node of the </a:t>
+            </a:r>
+            <a:r>
+              <a:rPr lang="en-GB" dirty="0" smtClean="0"/>
+              <a:t>star</a:t>
+            </a:r>
+            <a:r>
+              <a:rPr lang="en-GB" dirty="0"/>
+              <a:t> </a:t>
+            </a:r>
+            <a:r>
+              <a:rPr lang="en-GB" dirty="0" smtClean="0"/>
+              <a:t>(the final topology will be a tree).</a:t>
+            </a:r>
+            <a:endParaRPr lang="en-GB" dirty="0"/>
           </a:p>
           <a:p>
             <a:r>
               <a:rPr lang="en-US" dirty="0"/>
-              <a:t>Each node has a limited battery life</a:t>
-            </a:r>
+              <a:t>Each node has a limited battery </a:t>
+            </a:r>
+            <a:r>
+              <a:rPr lang="en-US" dirty="0" smtClean="0"/>
+              <a:t>life and each operation consumes some battery power</a:t>
+            </a:r>
+            <a:endParaRPr lang="en-US" dirty="0"/>
           </a:p>
           <a:p>
             <a:r>
               <a:rPr lang="en-US" dirty="0"/>
-              <a:t>Stations can only communicate between them through an access point. Access Points behave as routers.</a:t>
-            </a:r>
+              <a:t>Stations can only communicate between them through an access point. Access Points behave as routers</a:t>
+            </a:r>
+            <a:r>
+              <a:rPr lang="en-US" dirty="0" smtClean="0"/>
+              <a:t>.</a:t>
+            </a:r>
+          </a:p>
+          <a:p>
+            <a:r>
+              <a:rPr lang="en-US" dirty="0" smtClean="0"/>
+              <a:t>Access points can only serve a limited amount of nodes</a:t>
+            </a:r>
+            <a:endParaRPr lang="en-US" dirty="0"/>
           </a:p>
           <a:p>
             <a:endParaRPr lang="en-US" dirty="0"/>
@@ -5567,15 +5486,12 @@
           <a:p>
             <a:pPr lvl="0"/>
             <a:r>
+              <a:rPr lang="en-GB" dirty="0" smtClean="0"/>
+              <a:t>Self-containment </a:t>
+            </a:r>
+            <a:r>
               <a:rPr lang="en-GB" dirty="0"/>
-              <a:t>All the nodes can see at least one other node </a:t>
-            </a:r>
-          </a:p>
-          <a:p>
-            <a:pPr lvl="0"/>
-            <a:r>
-              <a:rPr lang="en-GB" dirty="0"/>
-              <a:t>Self-containment / no gateway: the nodes can only exchange data among them but not with an external network</a:t>
+              <a:t>/ no gateway: the nodes can only exchange data among them but not with an external network</a:t>
             </a:r>
           </a:p>
           <a:p>
@@ -5589,7 +5505,15 @@
             <a:pPr lvl="0"/>
             <a:r>
               <a:rPr lang="en-US" dirty="0"/>
-              <a:t>Access point nodes can still scan the spectrum to find other access points</a:t>
+              <a:t>Access point nodes can still scan </a:t>
+            </a:r>
+            <a:r>
+              <a:rPr lang="en-US" dirty="0" smtClean="0"/>
+              <a:t>for beacons to </a:t>
+            </a:r>
+            <a:r>
+              <a:rPr lang="en-US" dirty="0"/>
+              <a:t>find other access points</a:t>
             </a:r>
           </a:p>
           <a:p>
@@ -5863,7 +5787,7 @@
         </p:nvSpPr>
         <p:spPr>
           <a:xfrm>
-            <a:off x="838200" y="365125"/>
+            <a:off x="331115" y="204261"/>
             <a:ext cx="10515600" cy="533091"/>
           </a:xfrm>
         </p:spPr>
@@ -5875,28 +5799,121 @@
           <a:p>
             <a:r>
               <a:rPr lang="en-GB" dirty="0"/>
-              <a:t>Software Architecture - general</a:t>
+              <a:t>Software </a:t>
+            </a:r>
+            <a:r>
+              <a:rPr lang="en-GB" dirty="0" smtClean="0"/>
+              <a:t>Implementation</a:t>
             </a:r>
             <a:endParaRPr lang="it-IT" dirty="0"/>
+          </a:p>
+        </p:txBody>
+      </p:sp>
+      <p:sp>
+        <p:nvSpPr>
+          <p:cNvPr id="5" name="TextBox 4"/>
+          <p:cNvSpPr txBox="1"/>
+          <p:nvPr/>
+        </p:nvSpPr>
+        <p:spPr>
+          <a:xfrm>
+            <a:off x="441960" y="861060"/>
+            <a:ext cx="3646704" cy="923330"/>
+          </a:xfrm>
+          <a:prstGeom prst="rect">
+            <a:avLst/>
+          </a:prstGeom>
+          <a:noFill/>
+        </p:spPr>
+        <p:txBody>
+          <a:bodyPr wrap="none" rtlCol="0">
+            <a:spAutoFit/>
+          </a:bodyPr>
+          <a:lstStyle/>
+          <a:p>
+            <a:r>
+              <a:rPr lang="en-US" dirty="0" smtClean="0"/>
+              <a:t>The program is divided in 2 modules:</a:t>
+            </a:r>
+          </a:p>
+          <a:p>
+            <a:pPr marL="285750" indent="-285750">
+              <a:buFontTx/>
+              <a:buChar char="-"/>
+            </a:pPr>
+            <a:r>
+              <a:rPr lang="en-US" dirty="0" err="1" smtClean="0"/>
+              <a:t>AgentNode</a:t>
+            </a:r>
+            <a:endParaRPr lang="en-US" dirty="0" smtClean="0"/>
+          </a:p>
+          <a:p>
+            <a:pPr marL="285750" indent="-285750">
+              <a:buFontTx/>
+              <a:buChar char="-"/>
+            </a:pPr>
+            <a:r>
+              <a:rPr lang="en-US" dirty="0" smtClean="0"/>
+              <a:t>World</a:t>
+            </a:r>
+          </a:p>
+        </p:txBody>
+      </p:sp>
+      <p:sp>
+        <p:nvSpPr>
+          <p:cNvPr id="6" name="TextBox 5"/>
+          <p:cNvSpPr txBox="1"/>
+          <p:nvPr/>
+        </p:nvSpPr>
+        <p:spPr>
+          <a:xfrm>
+            <a:off x="4008120" y="1138059"/>
+            <a:ext cx="5075877" cy="369332"/>
+          </a:xfrm>
+          <a:prstGeom prst="rect">
+            <a:avLst/>
+          </a:prstGeom>
+          <a:noFill/>
+        </p:spPr>
+        <p:txBody>
+          <a:bodyPr wrap="none" rtlCol="0">
+            <a:spAutoFit/>
+          </a:bodyPr>
+          <a:lstStyle/>
+          <a:p>
+            <a:r>
+              <a:rPr lang="en-US" dirty="0" err="1" smtClean="0"/>
+              <a:t>AgentNode</a:t>
+            </a:r>
+            <a:r>
+              <a:rPr lang="en-US" dirty="0" smtClean="0"/>
+              <a:t> contains all the agent logic and </a:t>
+            </a:r>
+            <a:r>
+              <a:rPr lang="en-US" dirty="0" err="1" smtClean="0"/>
+              <a:t>beahvior</a:t>
+            </a:r>
+            <a:endParaRPr lang="en-US" dirty="0"/>
           </a:p>
         </p:txBody>
       </p:sp>
       <p:cxnSp>
         <p:nvCxnSpPr>
-          <p:cNvPr id="9" name="Connettore 1 8"/>
-          <p:cNvCxnSpPr>
-            <a:stCxn id="11" idx="3"/>
-          </p:cNvCxnSpPr>
+          <p:cNvPr id="8" name="Straight Arrow Connector 7"/>
+          <p:cNvCxnSpPr/>
           <p:nvPr/>
         </p:nvCxnSpPr>
         <p:spPr>
-          <a:xfrm flipV="1">
-            <a:off x="3484934" y="1631823"/>
-            <a:ext cx="1152511" cy="2750"/>
-          </a:xfrm>
-          <a:prstGeom prst="line">
+          <a:xfrm>
+            <a:off x="1912620" y="1322725"/>
+            <a:ext cx="2019300" cy="0"/>
+          </a:xfrm>
+          <a:prstGeom prst="straightConnector1">
             <a:avLst/>
           </a:prstGeom>
+          <a:ln>
+            <a:tailEnd type="triangle"/>
+          </a:ln>
         </p:spPr>
         <p:style>
           <a:lnRef idx="1">
@@ -5913,193 +5930,23 @@
           </a:fontRef>
         </p:style>
       </p:cxnSp>
-      <p:sp>
-        <p:nvSpPr>
-          <p:cNvPr id="11" name="Decisione 10"/>
-          <p:cNvSpPr/>
+      <p:cxnSp>
+        <p:nvCxnSpPr>
+          <p:cNvPr id="66" name="Straight Arrow Connector 65"/>
+          <p:cNvCxnSpPr/>
           <p:nvPr/>
-        </p:nvSpPr>
-        <p:spPr>
-          <a:xfrm>
-            <a:off x="3170543" y="1515112"/>
-            <a:ext cx="314391" cy="238921"/>
-          </a:xfrm>
-          <a:prstGeom prst="flowChartDecision">
+        </p:nvCxnSpPr>
+        <p:spPr>
+          <a:xfrm>
+            <a:off x="1912620" y="1619905"/>
+            <a:ext cx="2019300" cy="0"/>
+          </a:xfrm>
+          <a:prstGeom prst="straightConnector1">
             <a:avLst/>
           </a:prstGeom>
-        </p:spPr>
-        <p:style>
-          <a:lnRef idx="2">
-            <a:schemeClr val="dk1">
-              <a:shade val="50000"/>
-            </a:schemeClr>
-          </a:lnRef>
-          <a:fillRef idx="1">
-            <a:schemeClr val="dk1"/>
-          </a:fillRef>
-          <a:effectRef idx="0">
-            <a:schemeClr val="dk1"/>
-          </a:effectRef>
-          <a:fontRef idx="minor">
-            <a:schemeClr val="lt1"/>
-          </a:fontRef>
-        </p:style>
-        <p:txBody>
-          <a:bodyPr rtlCol="0" anchor="ctr"/>
-          <a:lstStyle/>
-          <a:p>
-            <a:pPr algn="ctr"/>
-            <a:endParaRPr lang="it-IT"/>
-          </a:p>
-        </p:txBody>
-      </p:sp>
-      <p:sp>
-        <p:nvSpPr>
-          <p:cNvPr id="17" name="CasellaDiTesto 16"/>
-          <p:cNvSpPr txBox="1"/>
-          <p:nvPr/>
-        </p:nvSpPr>
-        <p:spPr>
-          <a:xfrm>
-            <a:off x="3121836" y="1674820"/>
-            <a:ext cx="276038" cy="307777"/>
-          </a:xfrm>
-          <a:prstGeom prst="rect">
-            <a:avLst/>
-          </a:prstGeom>
-          <a:noFill/>
-        </p:spPr>
-        <p:txBody>
-          <a:bodyPr wrap="none" rtlCol="0">
-            <a:spAutoFit/>
-          </a:bodyPr>
-          <a:lstStyle/>
-          <a:p>
-            <a:r>
-              <a:rPr lang="en-GB" sz="1400" dirty="0"/>
-              <a:t>1</a:t>
-            </a:r>
-            <a:endParaRPr lang="it-IT" sz="1400" dirty="0"/>
-          </a:p>
-        </p:txBody>
-      </p:sp>
-      <p:sp>
-        <p:nvSpPr>
-          <p:cNvPr id="18" name="CasellaDiTesto 17"/>
-          <p:cNvSpPr txBox="1"/>
-          <p:nvPr/>
-        </p:nvSpPr>
-        <p:spPr>
-          <a:xfrm>
-            <a:off x="4223368" y="1624359"/>
-            <a:ext cx="457176" cy="307777"/>
-          </a:xfrm>
-          <a:prstGeom prst="rect">
-            <a:avLst/>
-          </a:prstGeom>
-          <a:noFill/>
-        </p:spPr>
-        <p:txBody>
-          <a:bodyPr wrap="none" rtlCol="0">
-            <a:spAutoFit/>
-          </a:bodyPr>
-          <a:lstStyle/>
-          <a:p>
-            <a:r>
-              <a:rPr lang="en-GB" sz="1400" dirty="0"/>
-              <a:t>1..1</a:t>
-            </a:r>
-            <a:endParaRPr lang="it-IT" sz="1400" dirty="0"/>
-          </a:p>
-        </p:txBody>
-      </p:sp>
-      <p:sp>
-        <p:nvSpPr>
-          <p:cNvPr id="19" name="Rettangolo 18"/>
-          <p:cNvSpPr/>
-          <p:nvPr/>
-        </p:nvSpPr>
-        <p:spPr>
-          <a:xfrm>
-            <a:off x="1910033" y="1385237"/>
-            <a:ext cx="1247775" cy="2671762"/>
-          </a:xfrm>
-          <a:prstGeom prst="rect">
-            <a:avLst/>
-          </a:prstGeom>
-        </p:spPr>
-        <p:style>
-          <a:lnRef idx="2">
-            <a:schemeClr val="accent1">
-              <a:shade val="50000"/>
-            </a:schemeClr>
-          </a:lnRef>
-          <a:fillRef idx="1">
-            <a:schemeClr val="accent1"/>
-          </a:fillRef>
-          <a:effectRef idx="0">
-            <a:schemeClr val="accent1"/>
-          </a:effectRef>
-          <a:fontRef idx="minor">
-            <a:schemeClr val="lt1"/>
-          </a:fontRef>
-        </p:style>
-        <p:txBody>
-          <a:bodyPr rtlCol="0" anchor="ctr"/>
-          <a:lstStyle/>
-          <a:p>
-            <a:pPr algn="ctr"/>
-            <a:endParaRPr lang="it-IT"/>
-          </a:p>
-        </p:txBody>
-      </p:sp>
-      <p:sp>
-        <p:nvSpPr>
-          <p:cNvPr id="20" name="Rettangolo 19"/>
-          <p:cNvSpPr/>
-          <p:nvPr/>
-        </p:nvSpPr>
-        <p:spPr>
-          <a:xfrm>
-            <a:off x="1876815" y="1325326"/>
-            <a:ext cx="1245021" cy="369332"/>
-          </a:xfrm>
-          <a:prstGeom prst="rect">
-            <a:avLst/>
-          </a:prstGeom>
-        </p:spPr>
-        <p:txBody>
-          <a:bodyPr wrap="none">
-            <a:spAutoFit/>
-          </a:bodyPr>
-          <a:lstStyle/>
-          <a:p>
-            <a:r>
-              <a:rPr lang="en-GB" dirty="0" err="1"/>
-              <a:t>AgentNode</a:t>
-            </a:r>
-            <a:endParaRPr lang="it-IT" dirty="0"/>
-          </a:p>
-        </p:txBody>
-      </p:sp>
-      <p:cxnSp>
-        <p:nvCxnSpPr>
-          <p:cNvPr id="21" name="Connettore 1 20"/>
-          <p:cNvCxnSpPr>
-            <a:cxnSpLocks/>
-            <a:stCxn id="22" idx="3"/>
-            <a:endCxn id="64" idx="1"/>
-          </p:cNvCxnSpPr>
-          <p:nvPr/>
-        </p:nvCxnSpPr>
-        <p:spPr>
-          <a:xfrm>
-            <a:off x="3493296" y="3719778"/>
-            <a:ext cx="1174802" cy="1560807"/>
-          </a:xfrm>
-          <a:prstGeom prst="line">
-            <a:avLst/>
-          </a:prstGeom>
+          <a:ln>
+            <a:tailEnd type="triangle"/>
+          </a:ln>
         </p:spPr>
         <p:style>
           <a:lnRef idx="1">
@@ -6118,57 +5965,14 @@
       </p:cxnSp>
       <p:sp>
         <p:nvSpPr>
-          <p:cNvPr id="22" name="Decisione 21"/>
-          <p:cNvSpPr/>
-          <p:nvPr/>
-        </p:nvSpPr>
-        <p:spPr>
-          <a:xfrm>
-            <a:off x="3178905" y="3600317"/>
-            <a:ext cx="314391" cy="238921"/>
-          </a:xfrm>
-          <a:prstGeom prst="flowChartDecision">
-            <a:avLst/>
-          </a:prstGeom>
-          <a:solidFill>
-            <a:schemeClr val="bg1"/>
-          </a:solidFill>
-        </p:spPr>
-        <p:style>
-          <a:lnRef idx="2">
-            <a:schemeClr val="dk1">
-              <a:shade val="50000"/>
-            </a:schemeClr>
-          </a:lnRef>
-          <a:fillRef idx="1">
-            <a:schemeClr val="dk1"/>
-          </a:fillRef>
-          <a:effectRef idx="0">
-            <a:schemeClr val="dk1"/>
-          </a:effectRef>
-          <a:fontRef idx="minor">
-            <a:schemeClr val="lt1"/>
-          </a:fontRef>
-        </p:style>
-        <p:txBody>
-          <a:bodyPr rtlCol="0" anchor="ctr"/>
-          <a:lstStyle/>
-          <a:p>
-            <a:pPr algn="ctr"/>
-            <a:endParaRPr lang="it-IT"/>
-          </a:p>
-        </p:txBody>
-      </p:sp>
-      <p:sp>
-        <p:nvSpPr>
-          <p:cNvPr id="23" name="CasellaDiTesto 22"/>
+          <p:cNvPr id="69" name="TextBox 68"/>
           <p:cNvSpPr txBox="1"/>
           <p:nvPr/>
         </p:nvSpPr>
         <p:spPr>
           <a:xfrm>
-            <a:off x="3090706" y="3798213"/>
-            <a:ext cx="455574" cy="307777"/>
+            <a:off x="4008119" y="1415058"/>
+            <a:ext cx="4848892" cy="1200329"/>
           </a:xfrm>
           <a:prstGeom prst="rect">
             <a:avLst/>
@@ -6182,23 +5986,53 @@
           <a:lstStyle/>
           <a:p>
             <a:r>
-              <a:rPr lang="en-GB" sz="1400" dirty="0"/>
-              <a:t>1..*</a:t>
-            </a:r>
-            <a:endParaRPr lang="it-IT" sz="1400" dirty="0"/>
-          </a:p>
-        </p:txBody>
-      </p:sp>
-      <p:sp>
-        <p:nvSpPr>
-          <p:cNvPr id="24" name="CasellaDiTesto 23"/>
+              <a:rPr lang="en-US" dirty="0" smtClean="0"/>
+              <a:t>World contains all the simulation status including:</a:t>
+            </a:r>
+          </a:p>
+          <a:p>
+            <a:pPr marL="285750" indent="-285750">
+              <a:buFontTx/>
+              <a:buChar char="-"/>
+            </a:pPr>
+            <a:r>
+              <a:rPr lang="en-US" dirty="0" smtClean="0"/>
+              <a:t>Number of nodes</a:t>
+            </a:r>
+          </a:p>
+          <a:p>
+            <a:pPr marL="285750" indent="-285750">
+              <a:buFontTx/>
+              <a:buChar char="-"/>
+            </a:pPr>
+            <a:r>
+              <a:rPr lang="en-US" dirty="0" smtClean="0"/>
+              <a:t>Number of walls</a:t>
+            </a:r>
+          </a:p>
+          <a:p>
+            <a:pPr marL="285750" indent="-285750">
+              <a:buFontTx/>
+              <a:buChar char="-"/>
+            </a:pPr>
+            <a:r>
+              <a:rPr lang="en-US" dirty="0" smtClean="0"/>
+              <a:t>Position of each node in the global grid</a:t>
+            </a:r>
+            <a:endParaRPr lang="en-US" dirty="0"/>
+          </a:p>
+        </p:txBody>
+      </p:sp>
+      <p:sp>
+        <p:nvSpPr>
+          <p:cNvPr id="10" name="TextBox 9"/>
           <p:cNvSpPr txBox="1"/>
           <p:nvPr/>
         </p:nvSpPr>
         <p:spPr>
           <a:xfrm>
-            <a:off x="4224968" y="5366944"/>
-            <a:ext cx="455574" cy="307777"/>
+            <a:off x="441960" y="3070860"/>
+            <a:ext cx="11452860" cy="1754326"/>
           </a:xfrm>
           <a:prstGeom prst="rect">
             <a:avLst/>
@@ -6206,1139 +6040,57 @@
           <a:noFill/>
         </p:spPr>
         <p:txBody>
-          <a:bodyPr wrap="none" rtlCol="0">
-            <a:spAutoFit/>
-          </a:bodyPr>
-          <a:lstStyle/>
-          <a:p>
-            <a:r>
-              <a:rPr lang="en-GB" sz="1400" dirty="0"/>
-              <a:t>0..*</a:t>
-            </a:r>
-            <a:endParaRPr lang="it-IT" sz="1400" dirty="0"/>
-          </a:p>
-        </p:txBody>
-      </p:sp>
-      <p:sp>
-        <p:nvSpPr>
-          <p:cNvPr id="33" name="CasellaDiTesto 32"/>
-          <p:cNvSpPr txBox="1"/>
-          <p:nvPr/>
-        </p:nvSpPr>
-        <p:spPr>
-          <a:xfrm>
-            <a:off x="1840044" y="2759073"/>
-            <a:ext cx="1218603" cy="954107"/>
-          </a:xfrm>
-          <a:prstGeom prst="rect">
-            <a:avLst/>
-          </a:prstGeom>
-          <a:noFill/>
-        </p:spPr>
-        <p:txBody>
-          <a:bodyPr wrap="none" rtlCol="0">
-            <a:spAutoFit/>
-          </a:bodyPr>
-          <a:lstStyle/>
-          <a:p>
-            <a:r>
-              <a:rPr lang="en-GB" sz="1400" dirty="0"/>
-              <a:t>+sense()</a:t>
-            </a:r>
-          </a:p>
-          <a:p>
-            <a:r>
-              <a:rPr lang="en-GB" sz="1400" dirty="0"/>
-              <a:t>+</a:t>
-            </a:r>
-            <a:r>
-              <a:rPr lang="en-GB" sz="1400" dirty="0" err="1"/>
-              <a:t>select_plan</a:t>
-            </a:r>
-            <a:r>
-              <a:rPr lang="en-GB" sz="1400" dirty="0"/>
-              <a:t>()</a:t>
-            </a:r>
-          </a:p>
-          <a:p>
-            <a:r>
-              <a:rPr lang="en-GB" sz="1400" dirty="0"/>
-              <a:t>+execute()</a:t>
-            </a:r>
-          </a:p>
-          <a:p>
-            <a:r>
-              <a:rPr lang="en-GB" sz="1400" dirty="0"/>
-              <a:t>+deliberate()</a:t>
-            </a:r>
-            <a:endParaRPr lang="it-IT" sz="1400" dirty="0"/>
-          </a:p>
-        </p:txBody>
-      </p:sp>
-      <p:cxnSp>
-        <p:nvCxnSpPr>
-          <p:cNvPr id="35" name="Connettore 1 34"/>
-          <p:cNvCxnSpPr>
-            <a:stCxn id="19" idx="1"/>
-            <a:endCxn id="19" idx="3"/>
-          </p:cNvCxnSpPr>
-          <p:nvPr/>
-        </p:nvCxnSpPr>
-        <p:spPr>
-          <a:xfrm>
-            <a:off x="1910033" y="2721118"/>
-            <a:ext cx="1247775" cy="0"/>
-          </a:xfrm>
-          <a:prstGeom prst="line">
-            <a:avLst/>
-          </a:prstGeom>
-        </p:spPr>
-        <p:style>
-          <a:lnRef idx="3">
-            <a:schemeClr val="dk1"/>
-          </a:lnRef>
-          <a:fillRef idx="0">
-            <a:schemeClr val="dk1"/>
-          </a:fillRef>
-          <a:effectRef idx="2">
-            <a:schemeClr val="dk1"/>
-          </a:effectRef>
-          <a:fontRef idx="minor">
-            <a:schemeClr val="tx1"/>
-          </a:fontRef>
-        </p:style>
-      </p:cxnSp>
-      <p:sp>
-        <p:nvSpPr>
-          <p:cNvPr id="36" name="CasellaDiTesto 35"/>
-          <p:cNvSpPr txBox="1"/>
-          <p:nvPr/>
-        </p:nvSpPr>
-        <p:spPr>
-          <a:xfrm>
-            <a:off x="1840044" y="1576338"/>
-            <a:ext cx="429926" cy="307777"/>
-          </a:xfrm>
-          <a:prstGeom prst="rect">
-            <a:avLst/>
-          </a:prstGeom>
-          <a:noFill/>
-        </p:spPr>
-        <p:txBody>
-          <a:bodyPr wrap="none" rtlCol="0">
-            <a:spAutoFit/>
-          </a:bodyPr>
-          <a:lstStyle/>
-          <a:p>
-            <a:r>
-              <a:rPr lang="en-GB" sz="1400" dirty="0"/>
-              <a:t>+ID</a:t>
-            </a:r>
-            <a:endParaRPr lang="it-IT" sz="1400" dirty="0"/>
-          </a:p>
-        </p:txBody>
-      </p:sp>
-      <p:sp>
-        <p:nvSpPr>
-          <p:cNvPr id="37" name="CasellaDiTesto 36"/>
-          <p:cNvSpPr txBox="1"/>
-          <p:nvPr/>
-        </p:nvSpPr>
-        <p:spPr>
-          <a:xfrm>
-            <a:off x="1823515" y="1720224"/>
-            <a:ext cx="580608" cy="369332"/>
-          </a:xfrm>
-          <a:prstGeom prst="rect">
-            <a:avLst/>
-          </a:prstGeom>
-          <a:noFill/>
-        </p:spPr>
-        <p:txBody>
-          <a:bodyPr wrap="none" rtlCol="0">
-            <a:spAutoFit/>
-          </a:bodyPr>
-          <a:lstStyle/>
-          <a:p>
-            <a:r>
-              <a:rPr lang="en-GB" dirty="0"/>
-              <a:t>-</a:t>
-            </a:r>
-            <a:r>
-              <a:rPr lang="en-GB" sz="1400" dirty="0" err="1"/>
-              <a:t>WiFi</a:t>
-            </a:r>
-            <a:endParaRPr lang="it-IT" sz="1400" dirty="0"/>
-          </a:p>
-        </p:txBody>
-      </p:sp>
-      <p:cxnSp>
-        <p:nvCxnSpPr>
-          <p:cNvPr id="38" name="Connettore 1 37"/>
-          <p:cNvCxnSpPr/>
-          <p:nvPr/>
-        </p:nvCxnSpPr>
-        <p:spPr>
-          <a:xfrm>
-            <a:off x="1910033" y="1624359"/>
-            <a:ext cx="1247775" cy="0"/>
-          </a:xfrm>
-          <a:prstGeom prst="line">
-            <a:avLst/>
-          </a:prstGeom>
-        </p:spPr>
-        <p:style>
-          <a:lnRef idx="3">
-            <a:schemeClr val="dk1"/>
-          </a:lnRef>
-          <a:fillRef idx="0">
-            <a:schemeClr val="dk1"/>
-          </a:fillRef>
-          <a:effectRef idx="2">
-            <a:schemeClr val="dk1"/>
-          </a:effectRef>
-          <a:fontRef idx="minor">
-            <a:schemeClr val="tx1"/>
-          </a:fontRef>
-        </p:style>
-      </p:cxnSp>
-      <p:sp>
-        <p:nvSpPr>
-          <p:cNvPr id="40" name="CasellaDiTesto 39"/>
-          <p:cNvSpPr txBox="1"/>
-          <p:nvPr/>
-        </p:nvSpPr>
-        <p:spPr>
-          <a:xfrm>
-            <a:off x="1831636" y="1914309"/>
-            <a:ext cx="1111971" cy="584775"/>
-          </a:xfrm>
-          <a:prstGeom prst="rect">
-            <a:avLst/>
-          </a:prstGeom>
-          <a:noFill/>
-        </p:spPr>
-        <p:txBody>
-          <a:bodyPr wrap="none" rtlCol="0">
-            <a:spAutoFit/>
-          </a:bodyPr>
-          <a:lstStyle/>
-          <a:p>
-            <a:r>
-              <a:rPr lang="en-GB" dirty="0"/>
-              <a:t>-</a:t>
-            </a:r>
-            <a:r>
-              <a:rPr lang="en-GB" sz="1400" dirty="0" err="1"/>
-              <a:t>PlansDB</a:t>
-            </a:r>
-            <a:r>
-              <a:rPr lang="en-GB" sz="1400" dirty="0"/>
-              <a:t>[*]</a:t>
-            </a:r>
-          </a:p>
-          <a:p>
-            <a:r>
-              <a:rPr lang="en-GB" sz="1400" dirty="0"/>
-              <a:t>-</a:t>
-            </a:r>
-            <a:r>
-              <a:rPr lang="en-GB" sz="1400" dirty="0" err="1"/>
-              <a:t>CurrentPlan</a:t>
-            </a:r>
-            <a:endParaRPr lang="it-IT" sz="1400" dirty="0"/>
-          </a:p>
-        </p:txBody>
-      </p:sp>
-      <p:sp>
-        <p:nvSpPr>
-          <p:cNvPr id="43" name="Rettangolo 42"/>
-          <p:cNvSpPr/>
-          <p:nvPr/>
-        </p:nvSpPr>
-        <p:spPr>
-          <a:xfrm>
-            <a:off x="4637444" y="1325324"/>
-            <a:ext cx="1884737" cy="3202713"/>
-          </a:xfrm>
-          <a:prstGeom prst="rect">
-            <a:avLst/>
-          </a:prstGeom>
-        </p:spPr>
-        <p:style>
-          <a:lnRef idx="1">
-            <a:schemeClr val="accent2"/>
-          </a:lnRef>
-          <a:fillRef idx="2">
-            <a:schemeClr val="accent2"/>
-          </a:fillRef>
-          <a:effectRef idx="1">
-            <a:schemeClr val="accent2"/>
-          </a:effectRef>
-          <a:fontRef idx="minor">
-            <a:schemeClr val="dk1"/>
-          </a:fontRef>
-        </p:style>
-        <p:txBody>
-          <a:bodyPr rtlCol="0" anchor="ctr"/>
-          <a:lstStyle/>
-          <a:p>
-            <a:pPr algn="ctr"/>
-            <a:endParaRPr lang="it-IT"/>
-          </a:p>
-        </p:txBody>
-      </p:sp>
-      <p:sp>
-        <p:nvSpPr>
-          <p:cNvPr id="46" name="Rettangolo 45"/>
-          <p:cNvSpPr/>
-          <p:nvPr/>
-        </p:nvSpPr>
-        <p:spPr>
-          <a:xfrm>
-            <a:off x="4637444" y="1265848"/>
-            <a:ext cx="1558707" cy="369332"/>
-          </a:xfrm>
-          <a:prstGeom prst="rect">
-            <a:avLst/>
-          </a:prstGeom>
-        </p:spPr>
-        <p:txBody>
-          <a:bodyPr wrap="square">
-            <a:spAutoFit/>
-          </a:bodyPr>
-          <a:lstStyle/>
-          <a:p>
-            <a:pPr algn="ctr"/>
-            <a:r>
-              <a:rPr lang="en-GB" dirty="0" err="1"/>
-              <a:t>WiFi</a:t>
-            </a:r>
-            <a:endParaRPr lang="it-IT" dirty="0"/>
-          </a:p>
-        </p:txBody>
-      </p:sp>
-      <p:cxnSp>
-        <p:nvCxnSpPr>
-          <p:cNvPr id="47" name="Connettore 1 46"/>
-          <p:cNvCxnSpPr/>
-          <p:nvPr/>
-        </p:nvCxnSpPr>
-        <p:spPr>
-          <a:xfrm>
-            <a:off x="4637444" y="1576338"/>
-            <a:ext cx="1884737" cy="0"/>
-          </a:xfrm>
-          <a:prstGeom prst="line">
-            <a:avLst/>
-          </a:prstGeom>
-        </p:spPr>
-        <p:style>
-          <a:lnRef idx="3">
-            <a:schemeClr val="dk1"/>
-          </a:lnRef>
-          <a:fillRef idx="0">
-            <a:schemeClr val="dk1"/>
-          </a:fillRef>
-          <a:effectRef idx="2">
-            <a:schemeClr val="dk1"/>
-          </a:effectRef>
-          <a:fontRef idx="minor">
-            <a:schemeClr val="tx1"/>
-          </a:fontRef>
-        </p:style>
-      </p:cxnSp>
-      <p:sp>
-        <p:nvSpPr>
-          <p:cNvPr id="48" name="Rettangolo 47"/>
-          <p:cNvSpPr/>
-          <p:nvPr/>
-        </p:nvSpPr>
-        <p:spPr>
-          <a:xfrm>
-            <a:off x="4637443" y="3109092"/>
-            <a:ext cx="1558708" cy="307777"/>
-          </a:xfrm>
-          <a:prstGeom prst="rect">
-            <a:avLst/>
-          </a:prstGeom>
-        </p:spPr>
-        <p:txBody>
-          <a:bodyPr wrap="square">
-            <a:spAutoFit/>
-          </a:bodyPr>
-          <a:lstStyle/>
-          <a:p>
-            <a:r>
-              <a:rPr lang="en-US" sz="1400" dirty="0"/>
-              <a:t>+connect(SSID)</a:t>
-            </a:r>
-          </a:p>
-        </p:txBody>
-      </p:sp>
-      <p:sp>
-        <p:nvSpPr>
-          <p:cNvPr id="49" name="Rettangolo 48"/>
-          <p:cNvSpPr/>
-          <p:nvPr/>
-        </p:nvSpPr>
-        <p:spPr>
-          <a:xfrm>
-            <a:off x="4637443" y="3353272"/>
-            <a:ext cx="1558708" cy="307777"/>
-          </a:xfrm>
-          <a:prstGeom prst="rect">
-            <a:avLst/>
-          </a:prstGeom>
-        </p:spPr>
-        <p:txBody>
-          <a:bodyPr wrap="square">
-            <a:spAutoFit/>
-          </a:bodyPr>
-          <a:lstStyle/>
-          <a:p>
-            <a:r>
-              <a:rPr lang="en-US" sz="1400" dirty="0"/>
-              <a:t>+disconnect()</a:t>
-            </a:r>
-          </a:p>
-        </p:txBody>
-      </p:sp>
-      <p:sp>
-        <p:nvSpPr>
-          <p:cNvPr id="50" name="Rettangolo 49"/>
-          <p:cNvSpPr/>
-          <p:nvPr/>
-        </p:nvSpPr>
-        <p:spPr>
-          <a:xfrm>
-            <a:off x="4637441" y="3565066"/>
-            <a:ext cx="1558709" cy="307777"/>
-          </a:xfrm>
-          <a:prstGeom prst="rect">
-            <a:avLst/>
-          </a:prstGeom>
-        </p:spPr>
-        <p:txBody>
-          <a:bodyPr wrap="square">
-            <a:spAutoFit/>
-          </a:bodyPr>
-          <a:lstStyle/>
-          <a:p>
-            <a:r>
-              <a:rPr lang="en-US" sz="1400" dirty="0"/>
-              <a:t>+</a:t>
-            </a:r>
-            <a:r>
-              <a:rPr lang="en-US" sz="1400" dirty="0" err="1"/>
-              <a:t>set_mode</a:t>
-            </a:r>
-            <a:r>
-              <a:rPr lang="en-US" sz="1400" dirty="0"/>
-              <a:t>(mode)</a:t>
-            </a:r>
-          </a:p>
-        </p:txBody>
-      </p:sp>
-      <p:sp>
-        <p:nvSpPr>
-          <p:cNvPr id="52" name="CasellaDiTesto 51"/>
-          <p:cNvSpPr txBox="1"/>
-          <p:nvPr/>
-        </p:nvSpPr>
-        <p:spPr>
-          <a:xfrm>
-            <a:off x="4637443" y="1877084"/>
-            <a:ext cx="1558708" cy="369332"/>
-          </a:xfrm>
-          <a:prstGeom prst="rect">
-            <a:avLst/>
-          </a:prstGeom>
-          <a:noFill/>
-        </p:spPr>
-        <p:txBody>
           <a:bodyPr wrap="square" rtlCol="0">
             <a:spAutoFit/>
           </a:bodyPr>
           <a:lstStyle/>
           <a:p>
-            <a:r>
-              <a:rPr lang="en-GB" dirty="0"/>
-              <a:t>-</a:t>
-            </a:r>
-            <a:r>
-              <a:rPr lang="en-GB" sz="1400" dirty="0" err="1"/>
-              <a:t>CurrentMode</a:t>
-            </a:r>
-            <a:endParaRPr lang="it-IT" sz="1400" dirty="0"/>
-          </a:p>
-        </p:txBody>
-      </p:sp>
-      <p:sp>
-        <p:nvSpPr>
-          <p:cNvPr id="53" name="CasellaDiTesto 52"/>
-          <p:cNvSpPr txBox="1"/>
-          <p:nvPr/>
-        </p:nvSpPr>
-        <p:spPr>
-          <a:xfrm>
-            <a:off x="8355598" y="1139250"/>
-            <a:ext cx="184731" cy="369332"/>
-          </a:xfrm>
-          <a:prstGeom prst="rect">
-            <a:avLst/>
-          </a:prstGeom>
-          <a:noFill/>
-        </p:spPr>
-        <p:txBody>
-          <a:bodyPr wrap="none" rtlCol="0">
-            <a:spAutoFit/>
-          </a:bodyPr>
-          <a:lstStyle/>
-          <a:p>
-            <a:endParaRPr lang="it-IT" dirty="0"/>
-          </a:p>
-        </p:txBody>
-      </p:sp>
-      <p:sp>
-        <p:nvSpPr>
-          <p:cNvPr id="54" name="Rettangolo 53"/>
-          <p:cNvSpPr/>
-          <p:nvPr/>
-        </p:nvSpPr>
-        <p:spPr>
-          <a:xfrm>
-            <a:off x="8157382" y="1216739"/>
-            <a:ext cx="2191979" cy="1320689"/>
-          </a:xfrm>
-          <a:prstGeom prst="rect">
-            <a:avLst/>
-          </a:prstGeom>
-        </p:spPr>
-        <p:style>
-          <a:lnRef idx="3">
-            <a:schemeClr val="lt1"/>
-          </a:lnRef>
-          <a:fillRef idx="1">
-            <a:schemeClr val="accent6"/>
-          </a:fillRef>
-          <a:effectRef idx="1">
-            <a:schemeClr val="accent6"/>
-          </a:effectRef>
-          <a:fontRef idx="minor">
-            <a:schemeClr val="lt1"/>
-          </a:fontRef>
-        </p:style>
-        <p:txBody>
-          <a:bodyPr rtlCol="0" anchor="ctr"/>
-          <a:lstStyle/>
-          <a:p>
-            <a:pPr algn="ctr"/>
-            <a:r>
-              <a:rPr lang="en-GB" sz="1400" dirty="0"/>
-              <a:t>&lt;&lt;Enumeration&gt;&gt;</a:t>
-            </a:r>
-          </a:p>
-          <a:p>
-            <a:pPr algn="ctr"/>
-            <a:r>
-              <a:rPr lang="en-GB" sz="1400" dirty="0"/>
-              <a:t>Mode</a:t>
-            </a:r>
-          </a:p>
-          <a:p>
-            <a:pPr algn="ctr"/>
-            <a:endParaRPr lang="en-GB" sz="1400" dirty="0"/>
-          </a:p>
-          <a:p>
-            <a:pPr algn="ctr"/>
-            <a:r>
-              <a:rPr lang="en-GB" sz="1400" dirty="0"/>
-              <a:t>AP</a:t>
-            </a:r>
-          </a:p>
-          <a:p>
-            <a:pPr algn="ctr"/>
-            <a:r>
-              <a:rPr lang="en-GB" sz="1400" dirty="0"/>
-              <a:t>STA</a:t>
-            </a:r>
-          </a:p>
-          <a:p>
-            <a:pPr algn="ctr"/>
-            <a:r>
-              <a:rPr lang="en-GB" sz="1400" dirty="0"/>
-              <a:t>AP_STA</a:t>
-            </a:r>
-            <a:endParaRPr lang="it-IT" sz="1400" dirty="0"/>
-          </a:p>
-        </p:txBody>
-      </p:sp>
-      <p:cxnSp>
-        <p:nvCxnSpPr>
-          <p:cNvPr id="55" name="Connettore 1 54"/>
-          <p:cNvCxnSpPr/>
-          <p:nvPr/>
-        </p:nvCxnSpPr>
-        <p:spPr>
-          <a:xfrm>
-            <a:off x="8157382" y="1693631"/>
-            <a:ext cx="2191979" cy="0"/>
-          </a:xfrm>
-          <a:prstGeom prst="line">
-            <a:avLst/>
-          </a:prstGeom>
-          <a:ln>
-            <a:solidFill>
-              <a:schemeClr val="bg1"/>
-            </a:solidFill>
-          </a:ln>
-        </p:spPr>
-        <p:style>
-          <a:lnRef idx="3">
-            <a:schemeClr val="dk1"/>
-          </a:lnRef>
-          <a:fillRef idx="0">
-            <a:schemeClr val="dk1"/>
-          </a:fillRef>
-          <a:effectRef idx="2">
-            <a:schemeClr val="dk1"/>
-          </a:effectRef>
-          <a:fontRef idx="minor">
-            <a:schemeClr val="tx1"/>
-          </a:fontRef>
-        </p:style>
-      </p:cxnSp>
-      <p:sp>
-        <p:nvSpPr>
-          <p:cNvPr id="57" name="Rettangolo 56"/>
-          <p:cNvSpPr/>
-          <p:nvPr/>
-        </p:nvSpPr>
-        <p:spPr>
-          <a:xfrm>
-            <a:off x="4637439" y="3789373"/>
-            <a:ext cx="1884741" cy="738664"/>
-          </a:xfrm>
-          <a:prstGeom prst="rect">
-            <a:avLst/>
-          </a:prstGeom>
-        </p:spPr>
-        <p:txBody>
-          <a:bodyPr wrap="square">
-            <a:spAutoFit/>
-          </a:bodyPr>
-          <a:lstStyle/>
-          <a:p>
-            <a:r>
-              <a:rPr lang="en-US" sz="1400" dirty="0"/>
-              <a:t>+scan(Nodes)</a:t>
-            </a:r>
-          </a:p>
-          <a:p>
-            <a:r>
-              <a:rPr lang="en-US" sz="1400" dirty="0"/>
-              <a:t>+send()</a:t>
-            </a:r>
-          </a:p>
-          <a:p>
-            <a:r>
-              <a:rPr lang="en-US" sz="1400" dirty="0"/>
-              <a:t>+receive() </a:t>
-            </a:r>
-          </a:p>
-        </p:txBody>
-      </p:sp>
-      <p:sp>
-        <p:nvSpPr>
-          <p:cNvPr id="59" name="CasellaDiTesto 58"/>
-          <p:cNvSpPr txBox="1"/>
-          <p:nvPr/>
-        </p:nvSpPr>
-        <p:spPr>
-          <a:xfrm>
-            <a:off x="4630239" y="1694942"/>
-            <a:ext cx="1565912" cy="369332"/>
-          </a:xfrm>
-          <a:prstGeom prst="rect">
-            <a:avLst/>
-          </a:prstGeom>
-          <a:noFill/>
-        </p:spPr>
-        <p:txBody>
-          <a:bodyPr wrap="square" rtlCol="0">
-            <a:spAutoFit/>
-          </a:bodyPr>
-          <a:lstStyle/>
-          <a:p>
-            <a:r>
-              <a:rPr lang="en-GB" dirty="0"/>
-              <a:t>-</a:t>
-            </a:r>
-            <a:r>
-              <a:rPr lang="en-GB" sz="1400" dirty="0" err="1"/>
-              <a:t>MACAddress</a:t>
-            </a:r>
-            <a:endParaRPr lang="it-IT" sz="1400" dirty="0"/>
-          </a:p>
-        </p:txBody>
-      </p:sp>
-      <p:sp>
-        <p:nvSpPr>
-          <p:cNvPr id="60" name="CasellaDiTesto 59"/>
-          <p:cNvSpPr txBox="1"/>
-          <p:nvPr/>
-        </p:nvSpPr>
-        <p:spPr>
-          <a:xfrm>
-            <a:off x="4637438" y="1572352"/>
-            <a:ext cx="1884743" cy="307777"/>
-          </a:xfrm>
-          <a:prstGeom prst="rect">
-            <a:avLst/>
-          </a:prstGeom>
-          <a:noFill/>
-        </p:spPr>
-        <p:txBody>
-          <a:bodyPr wrap="square" rtlCol="0">
-            <a:spAutoFit/>
-          </a:bodyPr>
-          <a:lstStyle/>
-          <a:p>
-            <a:r>
-              <a:rPr lang="en-GB" sz="1400" dirty="0"/>
-              <a:t>+SSID</a:t>
-            </a:r>
-            <a:endParaRPr lang="it-IT" sz="1400" dirty="0"/>
-          </a:p>
-        </p:txBody>
-      </p:sp>
-      <p:sp>
-        <p:nvSpPr>
-          <p:cNvPr id="61" name="Rettangolo 60"/>
-          <p:cNvSpPr/>
-          <p:nvPr/>
-        </p:nvSpPr>
-        <p:spPr>
-          <a:xfrm>
-            <a:off x="4637440" y="2153156"/>
-            <a:ext cx="1558710" cy="307777"/>
-          </a:xfrm>
-          <a:prstGeom prst="rect">
-            <a:avLst/>
-          </a:prstGeom>
-        </p:spPr>
-        <p:txBody>
-          <a:bodyPr wrap="square">
-            <a:spAutoFit/>
-          </a:bodyPr>
-          <a:lstStyle/>
-          <a:p>
-            <a:r>
-              <a:rPr lang="en-US" sz="1400" dirty="0"/>
-              <a:t>-</a:t>
-            </a:r>
-            <a:r>
-              <a:rPr lang="en-US" sz="1400" dirty="0" err="1"/>
-              <a:t>CurrentAP</a:t>
-            </a:r>
-            <a:endParaRPr lang="en-US" sz="1400" dirty="0"/>
-          </a:p>
-        </p:txBody>
-      </p:sp>
-      <p:sp>
-        <p:nvSpPr>
-          <p:cNvPr id="62" name="CasellaDiTesto 61"/>
-          <p:cNvSpPr txBox="1"/>
-          <p:nvPr/>
-        </p:nvSpPr>
-        <p:spPr>
-          <a:xfrm>
-            <a:off x="4637439" y="2367429"/>
-            <a:ext cx="1884742" cy="738664"/>
-          </a:xfrm>
-          <a:prstGeom prst="rect">
-            <a:avLst/>
-          </a:prstGeom>
-          <a:noFill/>
-        </p:spPr>
-        <p:txBody>
-          <a:bodyPr wrap="square" rtlCol="0">
-            <a:spAutoFit/>
-          </a:bodyPr>
-          <a:lstStyle/>
-          <a:p>
-            <a:r>
-              <a:rPr lang="en-GB" sz="1400" dirty="0"/>
-              <a:t>#</a:t>
-            </a:r>
-            <a:r>
-              <a:rPr lang="en-GB" sz="1400" dirty="0" err="1"/>
-              <a:t>AssociatedNodes</a:t>
-            </a:r>
-            <a:r>
-              <a:rPr lang="en-GB" sz="1400" dirty="0"/>
-              <a:t>[*]</a:t>
-            </a:r>
-          </a:p>
-          <a:p>
-            <a:r>
-              <a:rPr lang="en-GB" sz="1400" dirty="0"/>
-              <a:t>-</a:t>
-            </a:r>
-            <a:r>
-              <a:rPr lang="en-GB" sz="1400" dirty="0" err="1"/>
-              <a:t>BatteryLevel</a:t>
-            </a:r>
-            <a:endParaRPr lang="en-GB" sz="1400" dirty="0"/>
-          </a:p>
-          <a:p>
-            <a:r>
-              <a:rPr lang="en-GB" sz="1400" dirty="0"/>
-              <a:t>-</a:t>
-            </a:r>
-            <a:r>
-              <a:rPr lang="en-GB" sz="1400" dirty="0" err="1"/>
-              <a:t>VisibleNetworks</a:t>
-            </a:r>
-            <a:r>
-              <a:rPr lang="en-GB" sz="1400" dirty="0"/>
-              <a:t>[*]</a:t>
-            </a:r>
-            <a:endParaRPr lang="it-IT" sz="1400" dirty="0"/>
-          </a:p>
-        </p:txBody>
-      </p:sp>
-      <p:sp>
-        <p:nvSpPr>
-          <p:cNvPr id="63" name="Rettangolo 62"/>
-          <p:cNvSpPr/>
-          <p:nvPr/>
-        </p:nvSpPr>
-        <p:spPr>
-          <a:xfrm>
-            <a:off x="4668099" y="5155616"/>
-            <a:ext cx="1841638" cy="1118184"/>
-          </a:xfrm>
-          <a:prstGeom prst="rect">
-            <a:avLst/>
-          </a:prstGeom>
-        </p:spPr>
-        <p:style>
-          <a:lnRef idx="1">
-            <a:schemeClr val="accent4"/>
-          </a:lnRef>
-          <a:fillRef idx="2">
-            <a:schemeClr val="accent4"/>
-          </a:fillRef>
-          <a:effectRef idx="1">
-            <a:schemeClr val="accent4"/>
-          </a:effectRef>
-          <a:fontRef idx="minor">
-            <a:schemeClr val="dk1"/>
-          </a:fontRef>
-        </p:style>
-        <p:txBody>
-          <a:bodyPr rtlCol="0" anchor="ctr"/>
-          <a:lstStyle/>
-          <a:p>
-            <a:pPr algn="ctr"/>
-            <a:endParaRPr lang="it-IT"/>
-          </a:p>
-        </p:txBody>
-      </p:sp>
-      <p:sp>
-        <p:nvSpPr>
-          <p:cNvPr id="64" name="Rettangolo 63"/>
-          <p:cNvSpPr/>
-          <p:nvPr/>
-        </p:nvSpPr>
-        <p:spPr>
-          <a:xfrm>
-            <a:off x="4668098" y="5095919"/>
-            <a:ext cx="1841637" cy="369332"/>
-          </a:xfrm>
-          <a:prstGeom prst="rect">
-            <a:avLst/>
-          </a:prstGeom>
-        </p:spPr>
-        <p:txBody>
-          <a:bodyPr wrap="square">
-            <a:spAutoFit/>
-          </a:bodyPr>
-          <a:lstStyle/>
-          <a:p>
-            <a:pPr algn="ctr"/>
-            <a:r>
-              <a:rPr lang="en-GB" dirty="0"/>
-              <a:t>Plan</a:t>
-            </a:r>
-            <a:endParaRPr lang="it-IT" dirty="0"/>
-          </a:p>
-        </p:txBody>
-      </p:sp>
-      <p:cxnSp>
-        <p:nvCxnSpPr>
-          <p:cNvPr id="68" name="Connettore 1 67"/>
-          <p:cNvCxnSpPr/>
-          <p:nvPr/>
-        </p:nvCxnSpPr>
-        <p:spPr>
-          <a:xfrm flipV="1">
-            <a:off x="4668097" y="5440356"/>
-            <a:ext cx="1841638" cy="4197"/>
-          </a:xfrm>
-          <a:prstGeom prst="line">
-            <a:avLst/>
-          </a:prstGeom>
-        </p:spPr>
-        <p:style>
-          <a:lnRef idx="3">
-            <a:schemeClr val="dk1"/>
-          </a:lnRef>
-          <a:fillRef idx="0">
-            <a:schemeClr val="dk1"/>
-          </a:fillRef>
-          <a:effectRef idx="2">
-            <a:schemeClr val="dk1"/>
-          </a:effectRef>
-          <a:fontRef idx="minor">
-            <a:schemeClr val="tx1"/>
-          </a:fontRef>
-        </p:style>
-      </p:cxnSp>
-      <p:cxnSp>
-        <p:nvCxnSpPr>
-          <p:cNvPr id="73" name="Connettore 1 72"/>
-          <p:cNvCxnSpPr/>
-          <p:nvPr/>
-        </p:nvCxnSpPr>
-        <p:spPr>
-          <a:xfrm>
-            <a:off x="4637444" y="3128622"/>
-            <a:ext cx="1884737" cy="0"/>
-          </a:xfrm>
-          <a:prstGeom prst="line">
-            <a:avLst/>
-          </a:prstGeom>
-        </p:spPr>
-        <p:style>
-          <a:lnRef idx="3">
-            <a:schemeClr val="dk1"/>
-          </a:lnRef>
-          <a:fillRef idx="0">
-            <a:schemeClr val="dk1"/>
-          </a:fillRef>
-          <a:effectRef idx="2">
-            <a:schemeClr val="dk1"/>
-          </a:effectRef>
-          <a:fontRef idx="minor">
-            <a:schemeClr val="tx1"/>
-          </a:fontRef>
-        </p:style>
-      </p:cxnSp>
-      <p:sp>
-        <p:nvSpPr>
-          <p:cNvPr id="76" name="Rettangolo 75"/>
-          <p:cNvSpPr/>
-          <p:nvPr/>
-        </p:nvSpPr>
-        <p:spPr>
-          <a:xfrm>
-            <a:off x="4668096" y="5453303"/>
-            <a:ext cx="1841639" cy="738664"/>
-          </a:xfrm>
-          <a:prstGeom prst="rect">
-            <a:avLst/>
-          </a:prstGeom>
-        </p:spPr>
-        <p:txBody>
-          <a:bodyPr wrap="square">
-            <a:spAutoFit/>
-          </a:bodyPr>
-          <a:lstStyle/>
-          <a:p>
-            <a:r>
-              <a:rPr lang="en-US" sz="1400" dirty="0"/>
-              <a:t>+next()</a:t>
-            </a:r>
-          </a:p>
-          <a:p>
-            <a:r>
-              <a:rPr lang="en-US" sz="1400" dirty="0"/>
-              <a:t>+read(filename)</a:t>
-            </a:r>
-          </a:p>
-          <a:p>
-            <a:r>
-              <a:rPr lang="en-US" sz="1400" dirty="0"/>
-              <a:t>+steps()</a:t>
-            </a:r>
-          </a:p>
-        </p:txBody>
-      </p:sp>
-      <p:cxnSp>
-        <p:nvCxnSpPr>
-          <p:cNvPr id="51" name="Connettore 1 50"/>
-          <p:cNvCxnSpPr>
-            <a:stCxn id="56" idx="3"/>
-          </p:cNvCxnSpPr>
-          <p:nvPr/>
-        </p:nvCxnSpPr>
-        <p:spPr>
-          <a:xfrm flipV="1">
-            <a:off x="6849306" y="1694658"/>
-            <a:ext cx="1308076" cy="11030"/>
-          </a:xfrm>
-          <a:prstGeom prst="line">
-            <a:avLst/>
-          </a:prstGeom>
-        </p:spPr>
-        <p:style>
-          <a:lnRef idx="1">
-            <a:schemeClr val="accent1"/>
-          </a:lnRef>
-          <a:fillRef idx="0">
-            <a:schemeClr val="accent1"/>
-          </a:fillRef>
-          <a:effectRef idx="0">
-            <a:schemeClr val="accent1"/>
-          </a:effectRef>
-          <a:fontRef idx="minor">
-            <a:schemeClr val="tx1"/>
-          </a:fontRef>
-        </p:style>
-      </p:cxnSp>
-      <p:sp>
-        <p:nvSpPr>
-          <p:cNvPr id="56" name="Decisione 55"/>
-          <p:cNvSpPr/>
-          <p:nvPr/>
-        </p:nvSpPr>
-        <p:spPr>
-          <a:xfrm>
-            <a:off x="6534915" y="1586227"/>
-            <a:ext cx="314391" cy="238921"/>
-          </a:xfrm>
-          <a:prstGeom prst="flowChartDecision">
-            <a:avLst/>
-          </a:prstGeom>
-        </p:spPr>
-        <p:style>
-          <a:lnRef idx="2">
-            <a:schemeClr val="dk1">
-              <a:shade val="50000"/>
-            </a:schemeClr>
-          </a:lnRef>
-          <a:fillRef idx="1">
-            <a:schemeClr val="dk1"/>
-          </a:fillRef>
-          <a:effectRef idx="0">
-            <a:schemeClr val="dk1"/>
-          </a:effectRef>
-          <a:fontRef idx="minor">
-            <a:schemeClr val="lt1"/>
-          </a:fontRef>
-        </p:style>
-        <p:txBody>
-          <a:bodyPr rtlCol="0" anchor="ctr"/>
-          <a:lstStyle/>
-          <a:p>
-            <a:pPr algn="ctr"/>
-            <a:endParaRPr lang="it-IT"/>
-          </a:p>
-        </p:txBody>
-      </p:sp>
-      <p:sp>
-        <p:nvSpPr>
-          <p:cNvPr id="58" name="CasellaDiTesto 57"/>
-          <p:cNvSpPr txBox="1"/>
-          <p:nvPr/>
-        </p:nvSpPr>
-        <p:spPr>
-          <a:xfrm>
-            <a:off x="6486208" y="1745935"/>
-            <a:ext cx="276038" cy="307777"/>
-          </a:xfrm>
-          <a:prstGeom prst="rect">
-            <a:avLst/>
-          </a:prstGeom>
-          <a:noFill/>
-        </p:spPr>
-        <p:txBody>
-          <a:bodyPr wrap="none" rtlCol="0">
-            <a:spAutoFit/>
-          </a:bodyPr>
-          <a:lstStyle/>
-          <a:p>
-            <a:r>
-              <a:rPr lang="en-GB" sz="1400" dirty="0"/>
-              <a:t>1</a:t>
-            </a:r>
-            <a:endParaRPr lang="it-IT" sz="1400" dirty="0"/>
-          </a:p>
-        </p:txBody>
-      </p:sp>
-      <p:sp>
-        <p:nvSpPr>
-          <p:cNvPr id="65" name="CasellaDiTesto 64"/>
-          <p:cNvSpPr txBox="1"/>
-          <p:nvPr/>
-        </p:nvSpPr>
-        <p:spPr>
-          <a:xfrm>
-            <a:off x="7587740" y="1695474"/>
-            <a:ext cx="457176" cy="307777"/>
-          </a:xfrm>
-          <a:prstGeom prst="rect">
-            <a:avLst/>
-          </a:prstGeom>
-          <a:noFill/>
-        </p:spPr>
-        <p:txBody>
-          <a:bodyPr wrap="none" rtlCol="0">
-            <a:spAutoFit/>
-          </a:bodyPr>
-          <a:lstStyle/>
-          <a:p>
-            <a:r>
-              <a:rPr lang="en-GB" sz="1400" dirty="0"/>
-              <a:t>1..1</a:t>
-            </a:r>
-            <a:endParaRPr lang="it-IT" sz="1400" dirty="0"/>
-          </a:p>
-        </p:txBody>
-      </p:sp>
-      <p:pic>
-        <p:nvPicPr>
-          <p:cNvPr id="3" name="Picture 2">
-            <a:extLst>
-              <a:ext uri="{FF2B5EF4-FFF2-40B4-BE49-F238E27FC236}">
-                <a16:creationId xmlns:a16="http://schemas.microsoft.com/office/drawing/2014/main" id="{30C1A7B1-7209-4548-86A3-8E39921A079A}"/>
-              </a:ext>
-            </a:extLst>
-          </p:cNvPr>
-          <p:cNvPicPr>
-            <a:picLocks noChangeAspect="1"/>
-          </p:cNvPicPr>
-          <p:nvPr/>
-        </p:nvPicPr>
-        <p:blipFill>
-          <a:blip r:embed="rId2"/>
-          <a:stretch>
-            <a:fillRect/>
-          </a:stretch>
-        </p:blipFill>
-        <p:spPr>
-          <a:xfrm>
-            <a:off x="0" y="0"/>
-            <a:ext cx="12192000" cy="6858000"/>
-          </a:xfrm>
-          <a:prstGeom prst="rect">
-            <a:avLst/>
-          </a:prstGeom>
-        </p:spPr>
-      </p:pic>
+            <a:pPr marL="285750" indent="-285750">
+              <a:buFont typeface="Arial" panose="020B0604020202020204" pitchFamily="34" charset="0"/>
+              <a:buChar char="•"/>
+            </a:pPr>
+            <a:r>
+              <a:rPr lang="en-US" dirty="0" smtClean="0"/>
+              <a:t>The simulation is coordinated in the main program which is also responsible for I/O operations and keeping track of time.</a:t>
+            </a:r>
+          </a:p>
+          <a:p>
+            <a:pPr marL="285750" indent="-285750">
+              <a:buFont typeface="Arial" panose="020B0604020202020204" pitchFamily="34" charset="0"/>
+              <a:buChar char="•"/>
+            </a:pPr>
+            <a:endParaRPr lang="en-US" dirty="0" smtClean="0"/>
+          </a:p>
+          <a:p>
+            <a:pPr marL="285750" indent="-285750">
+              <a:buFont typeface="Arial" panose="020B0604020202020204" pitchFamily="34" charset="0"/>
+              <a:buChar char="•"/>
+            </a:pPr>
+            <a:r>
+              <a:rPr lang="en-US" dirty="0" smtClean="0"/>
+              <a:t>At each iteration, the run method of each agent is executed.</a:t>
+            </a:r>
+          </a:p>
+          <a:p>
+            <a:pPr marL="285750" indent="-285750">
+              <a:buFont typeface="Arial" panose="020B0604020202020204" pitchFamily="34" charset="0"/>
+              <a:buChar char="•"/>
+            </a:pPr>
+            <a:endParaRPr lang="en-US" dirty="0" smtClean="0"/>
+          </a:p>
+          <a:p>
+            <a:pPr marL="285750" indent="-285750">
+              <a:buFont typeface="Arial" panose="020B0604020202020204" pitchFamily="34" charset="0"/>
+              <a:buChar char="•"/>
+            </a:pPr>
+            <a:r>
+              <a:rPr lang="en-US" dirty="0" smtClean="0"/>
+              <a:t>When there are no agent left, the program ends.</a:t>
+            </a:r>
+            <a:endParaRPr lang="en-US" dirty="0"/>
+          </a:p>
+        </p:txBody>
+      </p:sp>
     </p:spTree>
     <p:extLst>
       <p:ext uri="{BB962C8B-B14F-4D97-AF65-F5344CB8AC3E}">
